--- a/Angular Traning Data/presentation/01-02 Angular JS v 3.0.pptx
+++ b/Angular Traning Data/presentation/01-02 Angular JS v 3.0.pptx
@@ -11,7 +11,7 @@
     <p:handoutMasterId r:id="rId68"/>
   </p:handoutMasterIdLst>
   <p:sldIdLst>
-    <p:sldId id="313" r:id="rId2"/>
+    <p:sldId id="458" r:id="rId2"/>
     <p:sldId id="383" r:id="rId3"/>
     <p:sldId id="434" r:id="rId4"/>
     <p:sldId id="410" r:id="rId5"/>
@@ -182,7 +182,7 @@
       <p14:sectionLst xmlns:p14="http://schemas.microsoft.com/office/powerpoint/2010/main">
         <p14:section name="Default Section" id="{B64CE300-32FF-4035-9902-6F121E734A78}">
           <p14:sldIdLst>
-            <p14:sldId id="313"/>
+            <p14:sldId id="458"/>
             <p14:sldId id="383"/>
             <p14:sldId id="434"/>
             <p14:sldId id="410"/>
@@ -522,7 +522,7 @@
             <a:fld id="{BD8FA3CA-5725-4BA7-A851-72A62AC5A8EE}" type="datetimeFigureOut">
               <a:rPr lang="en-CA" smtClean="0"/>
               <a:pPr/>
-              <a:t>2017-11-02</a:t>
+              <a:t>2017-11-14</a:t>
             </a:fld>
             <a:endParaRPr lang="en-CA"/>
           </a:p>
@@ -690,7 +690,7 @@
             <a:fld id="{C3B58700-9FA2-48CE-AC88-D71D45EB490A}" type="datetimeFigureOut">
               <a:rPr lang="en-US" smtClean="0"/>
               <a:pPr/>
-              <a:t>11/2/2017</a:t>
+              <a:t>11/14/17</a:t>
             </a:fld>
             <a:endParaRPr lang="en-US"/>
           </a:p>
@@ -8411,7 +8411,7 @@
 </file>
 
 <file path=ppt/slides/slide1.xml><?xml version="1.0" encoding="utf-8"?>
-<p:sld xmlns:a="http://schemas.openxmlformats.org/drawingml/2006/main" xmlns:r="http://schemas.openxmlformats.org/officeDocument/2006/relationships" xmlns:p="http://schemas.openxmlformats.org/presentationml/2006/main">
+<p:sld xmlns:a="http://schemas.openxmlformats.org/drawingml/2006/main" xmlns:r="http://schemas.openxmlformats.org/officeDocument/2006/relationships" xmlns:p="http://schemas.openxmlformats.org/presentationml/2006/main" showMasterSp="0">
   <p:cSld>
     <p:spTree>
       <p:nvGrpSpPr>
@@ -8429,12 +8429,12 @@
       </p:grpSpPr>
       <p:sp>
         <p:nvSpPr>
-          <p:cNvPr id="3" name="Title 1"/>
-          <p:cNvSpPr>
-            <a:spLocks noGrp="1"/>
-          </p:cNvSpPr>
-          <p:nvPr>
-            <p:ph type="ctrTitle"/>
+          <p:cNvPr id="2" name="Title 1"/>
+          <p:cNvSpPr>
+            <a:spLocks noGrp="1"/>
+          </p:cNvSpPr>
+          <p:nvPr>
+            <p:ph type="title"/>
           </p:nvPr>
         </p:nvSpPr>
         <p:spPr/>
@@ -8442,21 +8442,18 @@
           <a:bodyPr/>
           <a:lstStyle/>
           <a:p>
-            <a:r>
-              <a:rPr lang="en-AU"/>
-              <a:t>Introduction to Angular 4</a:t>
-            </a:r>
-          </a:p>
-        </p:txBody>
-      </p:sp>
-      <p:sp>
-        <p:nvSpPr>
-          <p:cNvPr id="4" name="Text Placeholder 3"/>
-          <p:cNvSpPr>
-            <a:spLocks noGrp="1"/>
-          </p:cNvSpPr>
-          <p:nvPr>
-            <p:ph type="body" sz="quarter" idx="10"/>
+            <a:endParaRPr lang="en-US"/>
+          </a:p>
+        </p:txBody>
+      </p:sp>
+      <p:sp>
+        <p:nvSpPr>
+          <p:cNvPr id="3" name="Text Placeholder 2"/>
+          <p:cNvSpPr>
+            <a:spLocks noGrp="1"/>
+          </p:cNvSpPr>
+          <p:nvPr>
+            <p:ph type="body" idx="12"/>
           </p:nvPr>
         </p:nvSpPr>
         <p:spPr/>
@@ -8464,17 +8461,50 @@
           <a:bodyPr/>
           <a:lstStyle/>
           <a:p>
-            <a:r>
-              <a:rPr lang="en-GB"/>
-              <a:t>Day 02</a:t>
-            </a:r>
+            <a:pPr algn="ctr"/>
+            <a:endParaRPr lang="en-AU" dirty="0" smtClean="0"/>
+          </a:p>
+          <a:p>
+            <a:pPr algn="ctr"/>
+            <a:endParaRPr lang="en-AU" dirty="0"/>
+          </a:p>
+          <a:p>
+            <a:pPr algn="ctr"/>
+            <a:endParaRPr lang="en-AU" sz="4000" dirty="0" smtClean="0"/>
+          </a:p>
+          <a:p>
+            <a:pPr algn="ctr"/>
+            <a:r>
+              <a:rPr lang="en-AU" sz="4000" dirty="0" smtClean="0"/>
+              <a:t>Introduction to </a:t>
+            </a:r>
+            <a:r>
+              <a:rPr lang="en-AU" sz="4000" dirty="0"/>
+              <a:t>Angular </a:t>
+            </a:r>
+            <a:r>
+              <a:rPr lang="en-AU" sz="4000" dirty="0" smtClean="0"/>
+              <a:t>4</a:t>
+            </a:r>
+          </a:p>
+          <a:p>
+            <a:pPr algn="ctr"/>
+            <a:endParaRPr lang="en-AU" sz="4000" dirty="0"/>
+          </a:p>
+          <a:p>
+            <a:pPr algn="ctr"/>
+            <a:r>
+              <a:rPr lang="en-AU" sz="2000" dirty="0" smtClean="0"/>
+              <a:t>Day2</a:t>
+            </a:r>
+            <a:endParaRPr lang="en-US" sz="2000" dirty="0"/>
           </a:p>
         </p:txBody>
       </p:sp>
     </p:spTree>
     <p:extLst>
       <p:ext uri="{BB962C8B-B14F-4D97-AF65-F5344CB8AC3E}">
-        <p14:creationId xmlns:p14="http://schemas.microsoft.com/office/powerpoint/2010/main" val="1241035648"/>
+        <p14:creationId xmlns:p14="http://schemas.microsoft.com/office/powerpoint/2010/main" val="684657520"/>
       </p:ext>
     </p:extLst>
   </p:cSld>
@@ -8485,7 +8515,7 @@
 </file>
 
 <file path=ppt/slides/slide10.xml><?xml version="1.0" encoding="utf-8"?>
-<p:sld xmlns:a="http://schemas.openxmlformats.org/drawingml/2006/main" xmlns:r="http://schemas.openxmlformats.org/officeDocument/2006/relationships" xmlns:p="http://schemas.openxmlformats.org/presentationml/2006/main">
+<p:sld xmlns:a="http://schemas.openxmlformats.org/drawingml/2006/main" xmlns:r="http://schemas.openxmlformats.org/officeDocument/2006/relationships" xmlns:p="http://schemas.openxmlformats.org/presentationml/2006/main" showMasterSp="0">
   <p:cSld>
     <p:spTree>
       <p:nvGrpSpPr>
@@ -8627,7 +8657,7 @@
 </file>
 
 <file path=ppt/slides/slide11.xml><?xml version="1.0" encoding="utf-8"?>
-<p:sld xmlns:a="http://schemas.openxmlformats.org/drawingml/2006/main" xmlns:r="http://schemas.openxmlformats.org/officeDocument/2006/relationships" xmlns:p="http://schemas.openxmlformats.org/presentationml/2006/main">
+<p:sld xmlns:a="http://schemas.openxmlformats.org/drawingml/2006/main" xmlns:r="http://schemas.openxmlformats.org/officeDocument/2006/relationships" xmlns:p="http://schemas.openxmlformats.org/presentationml/2006/main" showMasterSp="0">
   <p:cSld>
     <p:spTree>
       <p:nvGrpSpPr>
@@ -8709,7 +8739,7 @@
 </file>
 
 <file path=ppt/slides/slide12.xml><?xml version="1.0" encoding="utf-8"?>
-<p:sld xmlns:a="http://schemas.openxmlformats.org/drawingml/2006/main" xmlns:r="http://schemas.openxmlformats.org/officeDocument/2006/relationships" xmlns:p="http://schemas.openxmlformats.org/presentationml/2006/main">
+<p:sld xmlns:a="http://schemas.openxmlformats.org/drawingml/2006/main" xmlns:r="http://schemas.openxmlformats.org/officeDocument/2006/relationships" xmlns:p="http://schemas.openxmlformats.org/presentationml/2006/main" showMasterSp="0">
   <p:cSld>
     <p:spTree>
       <p:nvGrpSpPr>
@@ -8791,7 +8821,7 @@
 </file>
 
 <file path=ppt/slides/slide13.xml><?xml version="1.0" encoding="utf-8"?>
-<p:sld xmlns:a="http://schemas.openxmlformats.org/drawingml/2006/main" xmlns:r="http://schemas.openxmlformats.org/officeDocument/2006/relationships" xmlns:p="http://schemas.openxmlformats.org/presentationml/2006/main">
+<p:sld xmlns:a="http://schemas.openxmlformats.org/drawingml/2006/main" xmlns:r="http://schemas.openxmlformats.org/officeDocument/2006/relationships" xmlns:p="http://schemas.openxmlformats.org/presentationml/2006/main" showMasterSp="0">
   <p:cSld>
     <p:spTree>
       <p:nvGrpSpPr>
@@ -8873,7 +8903,7 @@
 </file>
 
 <file path=ppt/slides/slide14.xml><?xml version="1.0" encoding="utf-8"?>
-<p:sld xmlns:a="http://schemas.openxmlformats.org/drawingml/2006/main" xmlns:r="http://schemas.openxmlformats.org/officeDocument/2006/relationships" xmlns:p="http://schemas.openxmlformats.org/presentationml/2006/main">
+<p:sld xmlns:a="http://schemas.openxmlformats.org/drawingml/2006/main" xmlns:r="http://schemas.openxmlformats.org/officeDocument/2006/relationships" xmlns:p="http://schemas.openxmlformats.org/presentationml/2006/main" showMasterSp="0">
   <p:cSld>
     <p:spTree>
       <p:nvGrpSpPr>
@@ -9037,7 +9067,7 @@
 </file>
 
 <file path=ppt/slides/slide15.xml><?xml version="1.0" encoding="utf-8"?>
-<p:sld xmlns:a="http://schemas.openxmlformats.org/drawingml/2006/main" xmlns:r="http://schemas.openxmlformats.org/officeDocument/2006/relationships" xmlns:p="http://schemas.openxmlformats.org/presentationml/2006/main">
+<p:sld xmlns:a="http://schemas.openxmlformats.org/drawingml/2006/main" xmlns:r="http://schemas.openxmlformats.org/officeDocument/2006/relationships" xmlns:p="http://schemas.openxmlformats.org/presentationml/2006/main" showMasterSp="0">
   <p:cSld>
     <p:spTree>
       <p:nvGrpSpPr>
@@ -9111,7 +9141,7 @@
 </file>
 
 <file path=ppt/slides/slide16.xml><?xml version="1.0" encoding="utf-8"?>
-<p:sld xmlns:a="http://schemas.openxmlformats.org/drawingml/2006/main" xmlns:r="http://schemas.openxmlformats.org/officeDocument/2006/relationships" xmlns:p="http://schemas.openxmlformats.org/presentationml/2006/main">
+<p:sld xmlns:a="http://schemas.openxmlformats.org/drawingml/2006/main" xmlns:r="http://schemas.openxmlformats.org/officeDocument/2006/relationships" xmlns:p="http://schemas.openxmlformats.org/presentationml/2006/main" showMasterSp="0">
   <p:cSld>
     <p:spTree>
       <p:nvGrpSpPr>
@@ -9244,7 +9274,7 @@
 </file>
 
 <file path=ppt/slides/slide17.xml><?xml version="1.0" encoding="utf-8"?>
-<p:sld xmlns:a="http://schemas.openxmlformats.org/drawingml/2006/main" xmlns:r="http://schemas.openxmlformats.org/officeDocument/2006/relationships" xmlns:p="http://schemas.openxmlformats.org/presentationml/2006/main">
+<p:sld xmlns:a="http://schemas.openxmlformats.org/drawingml/2006/main" xmlns:r="http://schemas.openxmlformats.org/officeDocument/2006/relationships" xmlns:p="http://schemas.openxmlformats.org/presentationml/2006/main" showMasterSp="0">
   <p:cSld>
     <p:spTree>
       <p:nvGrpSpPr>
@@ -9296,7 +9326,7 @@
 </file>
 
 <file path=ppt/slides/slide18.xml><?xml version="1.0" encoding="utf-8"?>
-<p:sld xmlns:a="http://schemas.openxmlformats.org/drawingml/2006/main" xmlns:r="http://schemas.openxmlformats.org/officeDocument/2006/relationships" xmlns:p="http://schemas.openxmlformats.org/presentationml/2006/main">
+<p:sld xmlns:a="http://schemas.openxmlformats.org/drawingml/2006/main" xmlns:r="http://schemas.openxmlformats.org/officeDocument/2006/relationships" xmlns:p="http://schemas.openxmlformats.org/presentationml/2006/main" showMasterSp="0">
   <p:cSld>
     <p:spTree>
       <p:nvGrpSpPr>
@@ -9444,7 +9474,7 @@
 </file>
 
 <file path=ppt/slides/slide19.xml><?xml version="1.0" encoding="utf-8"?>
-<p:sld xmlns:a="http://schemas.openxmlformats.org/drawingml/2006/main" xmlns:r="http://schemas.openxmlformats.org/officeDocument/2006/relationships" xmlns:p="http://schemas.openxmlformats.org/presentationml/2006/main">
+<p:sld xmlns:a="http://schemas.openxmlformats.org/drawingml/2006/main" xmlns:r="http://schemas.openxmlformats.org/officeDocument/2006/relationships" xmlns:p="http://schemas.openxmlformats.org/presentationml/2006/main" showMasterSp="0">
   <p:cSld>
     <p:spTree>
       <p:nvGrpSpPr>
@@ -9574,7 +9604,7 @@
 </file>
 
 <file path=ppt/slides/slide2.xml><?xml version="1.0" encoding="utf-8"?>
-<p:sld xmlns:a="http://schemas.openxmlformats.org/drawingml/2006/main" xmlns:r="http://schemas.openxmlformats.org/officeDocument/2006/relationships" xmlns:p="http://schemas.openxmlformats.org/presentationml/2006/main">
+<p:sld xmlns:a="http://schemas.openxmlformats.org/drawingml/2006/main" xmlns:r="http://schemas.openxmlformats.org/officeDocument/2006/relationships" xmlns:p="http://schemas.openxmlformats.org/presentationml/2006/main" showMasterSp="0">
   <p:cSld>
     <p:spTree>
       <p:nvGrpSpPr>
@@ -9683,7 +9713,7 @@
 </file>
 
 <file path=ppt/slides/slide20.xml><?xml version="1.0" encoding="utf-8"?>
-<p:sld xmlns:a="http://schemas.openxmlformats.org/drawingml/2006/main" xmlns:r="http://schemas.openxmlformats.org/officeDocument/2006/relationships" xmlns:p="http://schemas.openxmlformats.org/presentationml/2006/main">
+<p:sld xmlns:a="http://schemas.openxmlformats.org/drawingml/2006/main" xmlns:r="http://schemas.openxmlformats.org/officeDocument/2006/relationships" xmlns:p="http://schemas.openxmlformats.org/presentationml/2006/main" showMasterSp="0">
   <p:cSld>
     <p:spTree>
       <p:nvGrpSpPr>
@@ -9839,7 +9869,7 @@
 </file>
 
 <file path=ppt/slides/slide21.xml><?xml version="1.0" encoding="utf-8"?>
-<p:sld xmlns:a="http://schemas.openxmlformats.org/drawingml/2006/main" xmlns:r="http://schemas.openxmlformats.org/officeDocument/2006/relationships" xmlns:p="http://schemas.openxmlformats.org/presentationml/2006/main">
+<p:sld xmlns:a="http://schemas.openxmlformats.org/drawingml/2006/main" xmlns:r="http://schemas.openxmlformats.org/officeDocument/2006/relationships" xmlns:p="http://schemas.openxmlformats.org/presentationml/2006/main" showMasterSp="0">
   <p:cSld>
     <p:spTree>
       <p:nvGrpSpPr>
@@ -10056,7 +10086,7 @@
 </file>
 
 <file path=ppt/slides/slide22.xml><?xml version="1.0" encoding="utf-8"?>
-<p:sld xmlns:a="http://schemas.openxmlformats.org/drawingml/2006/main" xmlns:r="http://schemas.openxmlformats.org/officeDocument/2006/relationships" xmlns:p="http://schemas.openxmlformats.org/presentationml/2006/main">
+<p:sld xmlns:a="http://schemas.openxmlformats.org/drawingml/2006/main" xmlns:r="http://schemas.openxmlformats.org/officeDocument/2006/relationships" xmlns:p="http://schemas.openxmlformats.org/presentationml/2006/main" showMasterSp="0">
   <p:cSld>
     <p:spTree>
       <p:nvGrpSpPr>
@@ -10311,7 +10341,7 @@
 </file>
 
 <file path=ppt/slides/slide23.xml><?xml version="1.0" encoding="utf-8"?>
-<p:sld xmlns:a="http://schemas.openxmlformats.org/drawingml/2006/main" xmlns:r="http://schemas.openxmlformats.org/officeDocument/2006/relationships" xmlns:p="http://schemas.openxmlformats.org/presentationml/2006/main">
+<p:sld xmlns:a="http://schemas.openxmlformats.org/drawingml/2006/main" xmlns:r="http://schemas.openxmlformats.org/officeDocument/2006/relationships" xmlns:p="http://schemas.openxmlformats.org/presentationml/2006/main" showMasterSp="0">
   <p:cSld>
     <p:spTree>
       <p:nvGrpSpPr>
@@ -10417,7 +10447,7 @@
 </file>
 
 <file path=ppt/slides/slide24.xml><?xml version="1.0" encoding="utf-8"?>
-<p:sld xmlns:a="http://schemas.openxmlformats.org/drawingml/2006/main" xmlns:r="http://schemas.openxmlformats.org/officeDocument/2006/relationships" xmlns:p="http://schemas.openxmlformats.org/presentationml/2006/main">
+<p:sld xmlns:a="http://schemas.openxmlformats.org/drawingml/2006/main" xmlns:r="http://schemas.openxmlformats.org/officeDocument/2006/relationships" xmlns:p="http://schemas.openxmlformats.org/presentationml/2006/main" showMasterSp="0">
   <p:cSld>
     <p:spTree>
       <p:nvGrpSpPr>
@@ -10602,7 +10632,7 @@
 </file>
 
 <file path=ppt/slides/slide25.xml><?xml version="1.0" encoding="utf-8"?>
-<p:sld xmlns:a="http://schemas.openxmlformats.org/drawingml/2006/main" xmlns:r="http://schemas.openxmlformats.org/officeDocument/2006/relationships" xmlns:p="http://schemas.openxmlformats.org/presentationml/2006/main">
+<p:sld xmlns:a="http://schemas.openxmlformats.org/drawingml/2006/main" xmlns:r="http://schemas.openxmlformats.org/officeDocument/2006/relationships" xmlns:p="http://schemas.openxmlformats.org/presentationml/2006/main" showMasterSp="0">
   <p:cSld>
     <p:spTree>
       <p:nvGrpSpPr>
@@ -10922,7 +10952,7 @@
 </file>
 
 <file path=ppt/slides/slide26.xml><?xml version="1.0" encoding="utf-8"?>
-<p:sld xmlns:a="http://schemas.openxmlformats.org/drawingml/2006/main" xmlns:r="http://schemas.openxmlformats.org/officeDocument/2006/relationships" xmlns:p="http://schemas.openxmlformats.org/presentationml/2006/main">
+<p:sld xmlns:a="http://schemas.openxmlformats.org/drawingml/2006/main" xmlns:r="http://schemas.openxmlformats.org/officeDocument/2006/relationships" xmlns:p="http://schemas.openxmlformats.org/presentationml/2006/main" showMasterSp="0">
   <p:cSld>
     <p:spTree>
       <p:nvGrpSpPr>
@@ -11196,7 +11226,7 @@
 </file>
 
 <file path=ppt/slides/slide27.xml><?xml version="1.0" encoding="utf-8"?>
-<p:sld xmlns:a="http://schemas.openxmlformats.org/drawingml/2006/main" xmlns:r="http://schemas.openxmlformats.org/officeDocument/2006/relationships" xmlns:p="http://schemas.openxmlformats.org/presentationml/2006/main">
+<p:sld xmlns:a="http://schemas.openxmlformats.org/drawingml/2006/main" xmlns:r="http://schemas.openxmlformats.org/officeDocument/2006/relationships" xmlns:p="http://schemas.openxmlformats.org/presentationml/2006/main" showMasterSp="0">
   <p:cSld>
     <p:spTree>
       <p:nvGrpSpPr>
@@ -11239,7 +11269,7 @@
           <p:cNvPr id="8" name="Text Placeholder 7">
             <a:extLst>
               <a:ext uri="{FF2B5EF4-FFF2-40B4-BE49-F238E27FC236}">
-                <a16:creationId xmlns:a16="http://schemas.microsoft.com/office/drawing/2014/main" id="{527599B4-D772-436D-A841-50C28785E3D9}"/>
+                <a16:creationId xmlns:a16="http://schemas.microsoft.com/office/drawing/2014/main" xmlns="" id="{527599B4-D772-436D-A841-50C28785E3D9}"/>
               </a:ext>
             </a:extLst>
           </p:cNvPr>
@@ -11313,7 +11343,7 @@
           <p:cNvPr id="7" name="Picture 6">
             <a:extLst>
               <a:ext uri="{FF2B5EF4-FFF2-40B4-BE49-F238E27FC236}">
-                <a16:creationId xmlns:a16="http://schemas.microsoft.com/office/drawing/2014/main" id="{E23C984E-214A-480E-8154-DD75D80968AE}"/>
+                <a16:creationId xmlns:a16="http://schemas.microsoft.com/office/drawing/2014/main" xmlns="" id="{E23C984E-214A-480E-8154-DD75D80968AE}"/>
               </a:ext>
             </a:extLst>
           </p:cNvPr>
@@ -11343,7 +11373,7 @@
           <p:cNvPr id="4" name="Picture 3">
             <a:extLst>
               <a:ext uri="{FF2B5EF4-FFF2-40B4-BE49-F238E27FC236}">
-                <a16:creationId xmlns:a16="http://schemas.microsoft.com/office/drawing/2014/main" id="{334EAD19-795E-49AF-9419-CFBA0CF8B187}"/>
+                <a16:creationId xmlns:a16="http://schemas.microsoft.com/office/drawing/2014/main" xmlns="" id="{334EAD19-795E-49AF-9419-CFBA0CF8B187}"/>
               </a:ext>
             </a:extLst>
           </p:cNvPr>
@@ -11465,7 +11495,7 @@
 </file>
 
 <file path=ppt/slides/slide28.xml><?xml version="1.0" encoding="utf-8"?>
-<p:sld xmlns:a="http://schemas.openxmlformats.org/drawingml/2006/main" xmlns:r="http://schemas.openxmlformats.org/officeDocument/2006/relationships" xmlns:p="http://schemas.openxmlformats.org/presentationml/2006/main">
+<p:sld xmlns:a="http://schemas.openxmlformats.org/drawingml/2006/main" xmlns:r="http://schemas.openxmlformats.org/officeDocument/2006/relationships" xmlns:p="http://schemas.openxmlformats.org/presentationml/2006/main" showMasterSp="0">
   <p:cSld>
     <p:spTree>
       <p:nvGrpSpPr>
@@ -11604,7 +11634,7 @@
           <p:cNvPr id="5" name="Picture 4">
             <a:extLst>
               <a:ext uri="{FF2B5EF4-FFF2-40B4-BE49-F238E27FC236}">
-                <a16:creationId xmlns:a16="http://schemas.microsoft.com/office/drawing/2014/main" id="{44B4C589-42BC-476D-B883-2F1575EF7ADA}"/>
+                <a16:creationId xmlns:a16="http://schemas.microsoft.com/office/drawing/2014/main" xmlns="" id="{44B4C589-42BC-476D-B883-2F1575EF7ADA}"/>
               </a:ext>
             </a:extLst>
           </p:cNvPr>
@@ -11643,7 +11673,7 @@
 </file>
 
 <file path=ppt/slides/slide29.xml><?xml version="1.0" encoding="utf-8"?>
-<p:sld xmlns:a="http://schemas.openxmlformats.org/drawingml/2006/main" xmlns:r="http://schemas.openxmlformats.org/officeDocument/2006/relationships" xmlns:p="http://schemas.openxmlformats.org/presentationml/2006/main">
+<p:sld xmlns:a="http://schemas.openxmlformats.org/drawingml/2006/main" xmlns:r="http://schemas.openxmlformats.org/officeDocument/2006/relationships" xmlns:p="http://schemas.openxmlformats.org/presentationml/2006/main" showMasterSp="0">
   <p:cSld>
     <p:spTree>
       <p:nvGrpSpPr>
@@ -11883,7 +11913,7 @@
 </file>
 
 <file path=ppt/slides/slide3.xml><?xml version="1.0" encoding="utf-8"?>
-<p:sld xmlns:a="http://schemas.openxmlformats.org/drawingml/2006/main" xmlns:r="http://schemas.openxmlformats.org/officeDocument/2006/relationships" xmlns:p="http://schemas.openxmlformats.org/presentationml/2006/main">
+<p:sld xmlns:a="http://schemas.openxmlformats.org/drawingml/2006/main" xmlns:r="http://schemas.openxmlformats.org/officeDocument/2006/relationships" xmlns:p="http://schemas.openxmlformats.org/presentationml/2006/main" showMasterSp="0">
   <p:cSld>
     <p:spTree>
       <p:nvGrpSpPr>
@@ -12053,7 +12083,7 @@
 </file>
 
 <file path=ppt/slides/slide30.xml><?xml version="1.0" encoding="utf-8"?>
-<p:sld xmlns:a="http://schemas.openxmlformats.org/drawingml/2006/main" xmlns:r="http://schemas.openxmlformats.org/officeDocument/2006/relationships" xmlns:p="http://schemas.openxmlformats.org/presentationml/2006/main">
+<p:sld xmlns:a="http://schemas.openxmlformats.org/drawingml/2006/main" xmlns:r="http://schemas.openxmlformats.org/officeDocument/2006/relationships" xmlns:p="http://schemas.openxmlformats.org/presentationml/2006/main" showMasterSp="0">
   <p:cSld>
     <p:spTree>
       <p:nvGrpSpPr>
@@ -12230,7 +12260,7 @@
 </file>
 
 <file path=ppt/slides/slide31.xml><?xml version="1.0" encoding="utf-8"?>
-<p:sld xmlns:a="http://schemas.openxmlformats.org/drawingml/2006/main" xmlns:r="http://schemas.openxmlformats.org/officeDocument/2006/relationships" xmlns:p="http://schemas.openxmlformats.org/presentationml/2006/main">
+<p:sld xmlns:a="http://schemas.openxmlformats.org/drawingml/2006/main" xmlns:r="http://schemas.openxmlformats.org/officeDocument/2006/relationships" xmlns:p="http://schemas.openxmlformats.org/presentationml/2006/main" showMasterSp="0">
   <p:cSld>
     <p:spTree>
       <p:nvGrpSpPr>
@@ -12495,7 +12525,7 @@
 </file>
 
 <file path=ppt/slides/slide32.xml><?xml version="1.0" encoding="utf-8"?>
-<p:sld xmlns:a="http://schemas.openxmlformats.org/drawingml/2006/main" xmlns:r="http://schemas.openxmlformats.org/officeDocument/2006/relationships" xmlns:p="http://schemas.openxmlformats.org/presentationml/2006/main">
+<p:sld xmlns:a="http://schemas.openxmlformats.org/drawingml/2006/main" xmlns:r="http://schemas.openxmlformats.org/officeDocument/2006/relationships" xmlns:p="http://schemas.openxmlformats.org/presentationml/2006/main" showMasterSp="0">
   <p:cSld>
     <p:spTree>
       <p:nvGrpSpPr>
@@ -12682,7 +12712,7 @@
 </file>
 
 <file path=ppt/slides/slide33.xml><?xml version="1.0" encoding="utf-8"?>
-<p:sld xmlns:a="http://schemas.openxmlformats.org/drawingml/2006/main" xmlns:r="http://schemas.openxmlformats.org/officeDocument/2006/relationships" xmlns:p="http://schemas.openxmlformats.org/presentationml/2006/main">
+<p:sld xmlns:a="http://schemas.openxmlformats.org/drawingml/2006/main" xmlns:r="http://schemas.openxmlformats.org/officeDocument/2006/relationships" xmlns:p="http://schemas.openxmlformats.org/presentationml/2006/main" showMasterSp="0">
   <p:cSld>
     <p:spTree>
       <p:nvGrpSpPr>
@@ -12866,7 +12896,7 @@
 </file>
 
 <file path=ppt/slides/slide34.xml><?xml version="1.0" encoding="utf-8"?>
-<p:sld xmlns:a="http://schemas.openxmlformats.org/drawingml/2006/main" xmlns:r="http://schemas.openxmlformats.org/officeDocument/2006/relationships" xmlns:p="http://schemas.openxmlformats.org/presentationml/2006/main">
+<p:sld xmlns:a="http://schemas.openxmlformats.org/drawingml/2006/main" xmlns:r="http://schemas.openxmlformats.org/officeDocument/2006/relationships" xmlns:p="http://schemas.openxmlformats.org/presentationml/2006/main" showMasterSp="0">
   <p:cSld>
     <p:spTree>
       <p:nvGrpSpPr>
@@ -13139,7 +13169,7 @@
 </file>
 
 <file path=ppt/slides/slide35.xml><?xml version="1.0" encoding="utf-8"?>
-<p:sld xmlns:a="http://schemas.openxmlformats.org/drawingml/2006/main" xmlns:r="http://schemas.openxmlformats.org/officeDocument/2006/relationships" xmlns:p="http://schemas.openxmlformats.org/presentationml/2006/main">
+<p:sld xmlns:a="http://schemas.openxmlformats.org/drawingml/2006/main" xmlns:r="http://schemas.openxmlformats.org/officeDocument/2006/relationships" xmlns:p="http://schemas.openxmlformats.org/presentationml/2006/main" showMasterSp="0">
   <p:cSld>
     <p:spTree>
       <p:nvGrpSpPr>
@@ -13191,7 +13221,7 @@
 </file>
 
 <file path=ppt/slides/slide36.xml><?xml version="1.0" encoding="utf-8"?>
-<p:sld xmlns:a="http://schemas.openxmlformats.org/drawingml/2006/main" xmlns:r="http://schemas.openxmlformats.org/officeDocument/2006/relationships" xmlns:p="http://schemas.openxmlformats.org/presentationml/2006/main">
+<p:sld xmlns:a="http://schemas.openxmlformats.org/drawingml/2006/main" xmlns:r="http://schemas.openxmlformats.org/officeDocument/2006/relationships" xmlns:p="http://schemas.openxmlformats.org/presentationml/2006/main" showMasterSp="0">
   <p:cSld>
     <p:spTree>
       <p:nvGrpSpPr>
@@ -13415,7 +13445,7 @@
 </file>
 
 <file path=ppt/slides/slide37.xml><?xml version="1.0" encoding="utf-8"?>
-<p:sld xmlns:a="http://schemas.openxmlformats.org/drawingml/2006/main" xmlns:r="http://schemas.openxmlformats.org/officeDocument/2006/relationships" xmlns:p="http://schemas.openxmlformats.org/presentationml/2006/main">
+<p:sld xmlns:a="http://schemas.openxmlformats.org/drawingml/2006/main" xmlns:r="http://schemas.openxmlformats.org/officeDocument/2006/relationships" xmlns:p="http://schemas.openxmlformats.org/presentationml/2006/main" showMasterSp="0">
   <p:cSld>
     <p:spTree>
       <p:nvGrpSpPr>
@@ -13614,7 +13644,7 @@
 </file>
 
 <file path=ppt/slides/slide38.xml><?xml version="1.0" encoding="utf-8"?>
-<p:sld xmlns:a="http://schemas.openxmlformats.org/drawingml/2006/main" xmlns:r="http://schemas.openxmlformats.org/officeDocument/2006/relationships" xmlns:p="http://schemas.openxmlformats.org/presentationml/2006/main">
+<p:sld xmlns:a="http://schemas.openxmlformats.org/drawingml/2006/main" xmlns:r="http://schemas.openxmlformats.org/officeDocument/2006/relationships" xmlns:p="http://schemas.openxmlformats.org/presentationml/2006/main" showMasterSp="0">
   <p:cSld>
     <p:spTree>
       <p:nvGrpSpPr>
@@ -13742,7 +13772,7 @@
 </file>
 
 <file path=ppt/slides/slide39.xml><?xml version="1.0" encoding="utf-8"?>
-<p:sld xmlns:a="http://schemas.openxmlformats.org/drawingml/2006/main" xmlns:r="http://schemas.openxmlformats.org/officeDocument/2006/relationships" xmlns:p="http://schemas.openxmlformats.org/presentationml/2006/main">
+<p:sld xmlns:a="http://schemas.openxmlformats.org/drawingml/2006/main" xmlns:r="http://schemas.openxmlformats.org/officeDocument/2006/relationships" xmlns:p="http://schemas.openxmlformats.org/presentationml/2006/main" showMasterSp="0">
   <p:cSld>
     <p:spTree>
       <p:nvGrpSpPr>
@@ -13930,7 +13960,7 @@
 </file>
 
 <file path=ppt/slides/slide4.xml><?xml version="1.0" encoding="utf-8"?>
-<p:sld xmlns:a="http://schemas.openxmlformats.org/drawingml/2006/main" xmlns:r="http://schemas.openxmlformats.org/officeDocument/2006/relationships" xmlns:p="http://schemas.openxmlformats.org/presentationml/2006/main">
+<p:sld xmlns:a="http://schemas.openxmlformats.org/drawingml/2006/main" xmlns:r="http://schemas.openxmlformats.org/officeDocument/2006/relationships" xmlns:p="http://schemas.openxmlformats.org/presentationml/2006/main" showMasterSp="0">
   <p:cSld>
     <p:spTree>
       <p:nvGrpSpPr>
@@ -14375,7 +14405,7 @@
 </file>
 
 <file path=ppt/slides/slide40.xml><?xml version="1.0" encoding="utf-8"?>
-<p:sld xmlns:a="http://schemas.openxmlformats.org/drawingml/2006/main" xmlns:r="http://schemas.openxmlformats.org/officeDocument/2006/relationships" xmlns:p="http://schemas.openxmlformats.org/presentationml/2006/main">
+<p:sld xmlns:a="http://schemas.openxmlformats.org/drawingml/2006/main" xmlns:r="http://schemas.openxmlformats.org/officeDocument/2006/relationships" xmlns:p="http://schemas.openxmlformats.org/presentationml/2006/main" showMasterSp="0">
   <p:cSld>
     <p:spTree>
       <p:nvGrpSpPr>
@@ -14779,7 +14809,7 @@
 </file>
 
 <file path=ppt/slides/slide41.xml><?xml version="1.0" encoding="utf-8"?>
-<p:sld xmlns:a="http://schemas.openxmlformats.org/drawingml/2006/main" xmlns:r="http://schemas.openxmlformats.org/officeDocument/2006/relationships" xmlns:p="http://schemas.openxmlformats.org/presentationml/2006/main">
+<p:sld xmlns:a="http://schemas.openxmlformats.org/drawingml/2006/main" xmlns:r="http://schemas.openxmlformats.org/officeDocument/2006/relationships" xmlns:p="http://schemas.openxmlformats.org/presentationml/2006/main" showMasterSp="0">
   <p:cSld>
     <p:spTree>
       <p:nvGrpSpPr>
@@ -14982,7 +15012,7 @@
 </file>
 
 <file path=ppt/slides/slide42.xml><?xml version="1.0" encoding="utf-8"?>
-<p:sld xmlns:a="http://schemas.openxmlformats.org/drawingml/2006/main" xmlns:r="http://schemas.openxmlformats.org/officeDocument/2006/relationships" xmlns:p="http://schemas.openxmlformats.org/presentationml/2006/main">
+<p:sld xmlns:a="http://schemas.openxmlformats.org/drawingml/2006/main" xmlns:r="http://schemas.openxmlformats.org/officeDocument/2006/relationships" xmlns:p="http://schemas.openxmlformats.org/presentationml/2006/main" showMasterSp="0">
   <p:cSld>
     <p:spTree>
       <p:nvGrpSpPr>
@@ -15003,7 +15033,7 @@
           <p:cNvPr id="2" name="Title 1">
             <a:extLst>
               <a:ext uri="{FF2B5EF4-FFF2-40B4-BE49-F238E27FC236}">
-                <a16:creationId xmlns:a16="http://schemas.microsoft.com/office/drawing/2014/main" id="{43B936F4-9575-4F24-8E51-7C919BB08B8A}"/>
+                <a16:creationId xmlns:a16="http://schemas.microsoft.com/office/drawing/2014/main" xmlns="" id="{43B936F4-9575-4F24-8E51-7C919BB08B8A}"/>
               </a:ext>
             </a:extLst>
           </p:cNvPr>
@@ -15039,7 +15069,7 @@
           <p:cNvPr id="3" name="Text Placeholder 2">
             <a:extLst>
               <a:ext uri="{FF2B5EF4-FFF2-40B4-BE49-F238E27FC236}">
-                <a16:creationId xmlns:a16="http://schemas.microsoft.com/office/drawing/2014/main" id="{3532DCF3-EB2B-4FC3-A265-0FEB8F17E754}"/>
+                <a16:creationId xmlns:a16="http://schemas.microsoft.com/office/drawing/2014/main" xmlns="" id="{3532DCF3-EB2B-4FC3-A265-0FEB8F17E754}"/>
               </a:ext>
             </a:extLst>
           </p:cNvPr>
@@ -15121,7 +15151,7 @@
           <p:cNvPr id="4" name="Picture 3">
             <a:extLst>
               <a:ext uri="{FF2B5EF4-FFF2-40B4-BE49-F238E27FC236}">
-                <a16:creationId xmlns:a16="http://schemas.microsoft.com/office/drawing/2014/main" id="{5F60D2E1-79FF-4B21-BFDD-52A37CC70565}"/>
+                <a16:creationId xmlns:a16="http://schemas.microsoft.com/office/drawing/2014/main" xmlns="" id="{5F60D2E1-79FF-4B21-BFDD-52A37CC70565}"/>
               </a:ext>
             </a:extLst>
           </p:cNvPr>
@@ -15151,7 +15181,7 @@
           <p:cNvPr id="5" name="Rectangle 4">
             <a:extLst>
               <a:ext uri="{FF2B5EF4-FFF2-40B4-BE49-F238E27FC236}">
-                <a16:creationId xmlns:a16="http://schemas.microsoft.com/office/drawing/2014/main" id="{EFE56220-C609-4CD0-A227-271E7F5568C4}"/>
+                <a16:creationId xmlns:a16="http://schemas.microsoft.com/office/drawing/2014/main" xmlns="" id="{EFE56220-C609-4CD0-A227-271E7F5568C4}"/>
               </a:ext>
             </a:extLst>
           </p:cNvPr>
@@ -15206,7 +15236,7 @@
 </file>
 
 <file path=ppt/slides/slide43.xml><?xml version="1.0" encoding="utf-8"?>
-<p:sld xmlns:a="http://schemas.openxmlformats.org/drawingml/2006/main" xmlns:r="http://schemas.openxmlformats.org/officeDocument/2006/relationships" xmlns:p="http://schemas.openxmlformats.org/presentationml/2006/main">
+<p:sld xmlns:a="http://schemas.openxmlformats.org/drawingml/2006/main" xmlns:r="http://schemas.openxmlformats.org/officeDocument/2006/relationships" xmlns:p="http://schemas.openxmlformats.org/presentationml/2006/main" showMasterSp="0">
   <p:cSld>
     <p:spTree>
       <p:nvGrpSpPr>
@@ -15227,7 +15257,7 @@
           <p:cNvPr id="2" name="Title 1">
             <a:extLst>
               <a:ext uri="{FF2B5EF4-FFF2-40B4-BE49-F238E27FC236}">
-                <a16:creationId xmlns:a16="http://schemas.microsoft.com/office/drawing/2014/main" id="{1B5B909A-7048-4044-82CA-6FEB7D53E815}"/>
+                <a16:creationId xmlns:a16="http://schemas.microsoft.com/office/drawing/2014/main" xmlns="" id="{1B5B909A-7048-4044-82CA-6FEB7D53E815}"/>
               </a:ext>
             </a:extLst>
           </p:cNvPr>
@@ -15255,7 +15285,7 @@
           <p:cNvPr id="3" name="Text Placeholder 2">
             <a:extLst>
               <a:ext uri="{FF2B5EF4-FFF2-40B4-BE49-F238E27FC236}">
-                <a16:creationId xmlns:a16="http://schemas.microsoft.com/office/drawing/2014/main" id="{B6C48C34-4644-4036-879E-9C4311AA681C}"/>
+                <a16:creationId xmlns:a16="http://schemas.microsoft.com/office/drawing/2014/main" xmlns="" id="{B6C48C34-4644-4036-879E-9C4311AA681C}"/>
               </a:ext>
             </a:extLst>
           </p:cNvPr>
@@ -15297,7 +15327,7 @@
           <p:cNvPr id="4" name="Picture 3">
             <a:extLst>
               <a:ext uri="{FF2B5EF4-FFF2-40B4-BE49-F238E27FC236}">
-                <a16:creationId xmlns:a16="http://schemas.microsoft.com/office/drawing/2014/main" id="{6EE288F9-704C-4DE5-85EC-3226E6E09E60}"/>
+                <a16:creationId xmlns:a16="http://schemas.microsoft.com/office/drawing/2014/main" xmlns="" id="{6EE288F9-704C-4DE5-85EC-3226E6E09E60}"/>
               </a:ext>
             </a:extLst>
           </p:cNvPr>
@@ -15327,7 +15357,7 @@
           <p:cNvPr id="5" name="Picture 4">
             <a:extLst>
               <a:ext uri="{FF2B5EF4-FFF2-40B4-BE49-F238E27FC236}">
-                <a16:creationId xmlns:a16="http://schemas.microsoft.com/office/drawing/2014/main" id="{9EFC2D1C-E012-4DA1-A041-6D6FCAA71EBB}"/>
+                <a16:creationId xmlns:a16="http://schemas.microsoft.com/office/drawing/2014/main" xmlns="" id="{9EFC2D1C-E012-4DA1-A041-6D6FCAA71EBB}"/>
               </a:ext>
             </a:extLst>
           </p:cNvPr>
@@ -15366,7 +15396,7 @@
 </file>
 
 <file path=ppt/slides/slide44.xml><?xml version="1.0" encoding="utf-8"?>
-<p:sld xmlns:a="http://schemas.openxmlformats.org/drawingml/2006/main" xmlns:r="http://schemas.openxmlformats.org/officeDocument/2006/relationships" xmlns:p="http://schemas.openxmlformats.org/presentationml/2006/main">
+<p:sld xmlns:a="http://schemas.openxmlformats.org/drawingml/2006/main" xmlns:r="http://schemas.openxmlformats.org/officeDocument/2006/relationships" xmlns:p="http://schemas.openxmlformats.org/presentationml/2006/main" showMasterSp="0">
   <p:cSld>
     <p:spTree>
       <p:nvGrpSpPr>
@@ -15493,7 +15523,7 @@
 </file>
 
 <file path=ppt/slides/slide45.xml><?xml version="1.0" encoding="utf-8"?>
-<p:sld xmlns:a="http://schemas.openxmlformats.org/drawingml/2006/main" xmlns:r="http://schemas.openxmlformats.org/officeDocument/2006/relationships" xmlns:p="http://schemas.openxmlformats.org/presentationml/2006/main">
+<p:sld xmlns:a="http://schemas.openxmlformats.org/drawingml/2006/main" xmlns:r="http://schemas.openxmlformats.org/officeDocument/2006/relationships" xmlns:p="http://schemas.openxmlformats.org/presentationml/2006/main" showMasterSp="0">
   <p:cSld>
     <p:spTree>
       <p:nvGrpSpPr>
@@ -15843,7 +15873,7 @@
 </file>
 
 <file path=ppt/slides/slide46.xml><?xml version="1.0" encoding="utf-8"?>
-<p:sld xmlns:a="http://schemas.openxmlformats.org/drawingml/2006/main" xmlns:r="http://schemas.openxmlformats.org/officeDocument/2006/relationships" xmlns:p="http://schemas.openxmlformats.org/presentationml/2006/main">
+<p:sld xmlns:a="http://schemas.openxmlformats.org/drawingml/2006/main" xmlns:r="http://schemas.openxmlformats.org/officeDocument/2006/relationships" xmlns:p="http://schemas.openxmlformats.org/presentationml/2006/main" showMasterSp="0">
   <p:cSld>
     <p:spTree>
       <p:nvGrpSpPr>
@@ -15895,7 +15925,7 @@
 </file>
 
 <file path=ppt/slides/slide47.xml><?xml version="1.0" encoding="utf-8"?>
-<p:sld xmlns:a="http://schemas.openxmlformats.org/drawingml/2006/main" xmlns:r="http://schemas.openxmlformats.org/officeDocument/2006/relationships" xmlns:p="http://schemas.openxmlformats.org/presentationml/2006/main">
+<p:sld xmlns:a="http://schemas.openxmlformats.org/drawingml/2006/main" xmlns:r="http://schemas.openxmlformats.org/officeDocument/2006/relationships" xmlns:p="http://schemas.openxmlformats.org/presentationml/2006/main" showMasterSp="0">
   <p:cSld>
     <p:spTree>
       <p:nvGrpSpPr>
@@ -16049,7 +16079,7 @@
 </file>
 
 <file path=ppt/slides/slide48.xml><?xml version="1.0" encoding="utf-8"?>
-<p:sld xmlns:a="http://schemas.openxmlformats.org/drawingml/2006/main" xmlns:r="http://schemas.openxmlformats.org/officeDocument/2006/relationships" xmlns:p="http://schemas.openxmlformats.org/presentationml/2006/main">
+<p:sld xmlns:a="http://schemas.openxmlformats.org/drawingml/2006/main" xmlns:r="http://schemas.openxmlformats.org/officeDocument/2006/relationships" xmlns:p="http://schemas.openxmlformats.org/presentationml/2006/main" showMasterSp="0">
   <p:cSld>
     <p:spTree>
       <p:nvGrpSpPr>
@@ -16335,7 +16365,7 @@
 </file>
 
 <file path=ppt/slides/slide49.xml><?xml version="1.0" encoding="utf-8"?>
-<p:sld xmlns:a="http://schemas.openxmlformats.org/drawingml/2006/main" xmlns:r="http://schemas.openxmlformats.org/officeDocument/2006/relationships" xmlns:p="http://schemas.openxmlformats.org/presentationml/2006/main">
+<p:sld xmlns:a="http://schemas.openxmlformats.org/drawingml/2006/main" xmlns:r="http://schemas.openxmlformats.org/officeDocument/2006/relationships" xmlns:p="http://schemas.openxmlformats.org/presentationml/2006/main" showMasterSp="0">
   <p:cSld>
     <p:spTree>
       <p:nvGrpSpPr>
@@ -16484,7 +16514,7 @@
 </file>
 
 <file path=ppt/slides/slide5.xml><?xml version="1.0" encoding="utf-8"?>
-<p:sld xmlns:a="http://schemas.openxmlformats.org/drawingml/2006/main" xmlns:r="http://schemas.openxmlformats.org/officeDocument/2006/relationships" xmlns:p="http://schemas.openxmlformats.org/presentationml/2006/main">
+<p:sld xmlns:a="http://schemas.openxmlformats.org/drawingml/2006/main" xmlns:r="http://schemas.openxmlformats.org/officeDocument/2006/relationships" xmlns:p="http://schemas.openxmlformats.org/presentationml/2006/main" showMasterSp="0">
   <p:cSld>
     <p:spTree>
       <p:nvGrpSpPr>
@@ -16620,7 +16650,7 @@
 </file>
 
 <file path=ppt/slides/slide50.xml><?xml version="1.0" encoding="utf-8"?>
-<p:sld xmlns:a="http://schemas.openxmlformats.org/drawingml/2006/main" xmlns:r="http://schemas.openxmlformats.org/officeDocument/2006/relationships" xmlns:p="http://schemas.openxmlformats.org/presentationml/2006/main">
+<p:sld xmlns:a="http://schemas.openxmlformats.org/drawingml/2006/main" xmlns:r="http://schemas.openxmlformats.org/officeDocument/2006/relationships" xmlns:p="http://schemas.openxmlformats.org/presentationml/2006/main" showMasterSp="0">
   <p:cSld>
     <p:spTree>
       <p:nvGrpSpPr>
@@ -16724,7 +16754,7 @@
 </file>
 
 <file path=ppt/slides/slide51.xml><?xml version="1.0" encoding="utf-8"?>
-<p:sld xmlns:a="http://schemas.openxmlformats.org/drawingml/2006/main" xmlns:r="http://schemas.openxmlformats.org/officeDocument/2006/relationships" xmlns:p="http://schemas.openxmlformats.org/presentationml/2006/main">
+<p:sld xmlns:a="http://schemas.openxmlformats.org/drawingml/2006/main" xmlns:r="http://schemas.openxmlformats.org/officeDocument/2006/relationships" xmlns:p="http://schemas.openxmlformats.org/presentationml/2006/main" showMasterSp="0">
   <p:cSld>
     <p:spTree>
       <p:nvGrpSpPr>
@@ -16836,7 +16866,7 @@
 </file>
 
 <file path=ppt/slides/slide52.xml><?xml version="1.0" encoding="utf-8"?>
-<p:sld xmlns:a="http://schemas.openxmlformats.org/drawingml/2006/main" xmlns:r="http://schemas.openxmlformats.org/officeDocument/2006/relationships" xmlns:p="http://schemas.openxmlformats.org/presentationml/2006/main">
+<p:sld xmlns:a="http://schemas.openxmlformats.org/drawingml/2006/main" xmlns:r="http://schemas.openxmlformats.org/officeDocument/2006/relationships" xmlns:p="http://schemas.openxmlformats.org/presentationml/2006/main" showMasterSp="0">
   <p:cSld>
     <p:spTree>
       <p:nvGrpSpPr>
@@ -16982,7 +17012,7 @@
 </file>
 
 <file path=ppt/slides/slide53.xml><?xml version="1.0" encoding="utf-8"?>
-<p:sld xmlns:a="http://schemas.openxmlformats.org/drawingml/2006/main" xmlns:r="http://schemas.openxmlformats.org/officeDocument/2006/relationships" xmlns:p="http://schemas.openxmlformats.org/presentationml/2006/main">
+<p:sld xmlns:a="http://schemas.openxmlformats.org/drawingml/2006/main" xmlns:r="http://schemas.openxmlformats.org/officeDocument/2006/relationships" xmlns:p="http://schemas.openxmlformats.org/presentationml/2006/main" showMasterSp="0">
   <p:cSld>
     <p:spTree>
       <p:nvGrpSpPr>
@@ -17034,7 +17064,7 @@
 </file>
 
 <file path=ppt/slides/slide54.xml><?xml version="1.0" encoding="utf-8"?>
-<p:sld xmlns:a="http://schemas.openxmlformats.org/drawingml/2006/main" xmlns:r="http://schemas.openxmlformats.org/officeDocument/2006/relationships" xmlns:p="http://schemas.openxmlformats.org/presentationml/2006/main">
+<p:sld xmlns:a="http://schemas.openxmlformats.org/drawingml/2006/main" xmlns:r="http://schemas.openxmlformats.org/officeDocument/2006/relationships" xmlns:p="http://schemas.openxmlformats.org/presentationml/2006/main" showMasterSp="0">
   <p:cSld>
     <p:spTree>
       <p:nvGrpSpPr>
@@ -17182,7 +17212,7 @@
 </file>
 
 <file path=ppt/slides/slide55.xml><?xml version="1.0" encoding="utf-8"?>
-<p:sld xmlns:a="http://schemas.openxmlformats.org/drawingml/2006/main" xmlns:r="http://schemas.openxmlformats.org/officeDocument/2006/relationships" xmlns:p="http://schemas.openxmlformats.org/presentationml/2006/main">
+<p:sld xmlns:a="http://schemas.openxmlformats.org/drawingml/2006/main" xmlns:r="http://schemas.openxmlformats.org/officeDocument/2006/relationships" xmlns:p="http://schemas.openxmlformats.org/presentationml/2006/main" showMasterSp="0">
   <p:cSld>
     <p:spTree>
       <p:nvGrpSpPr>
@@ -17274,7 +17304,7 @@
 </file>
 
 <file path=ppt/slides/slide56.xml><?xml version="1.0" encoding="utf-8"?>
-<p:sld xmlns:a="http://schemas.openxmlformats.org/drawingml/2006/main" xmlns:r="http://schemas.openxmlformats.org/officeDocument/2006/relationships" xmlns:p="http://schemas.openxmlformats.org/presentationml/2006/main">
+<p:sld xmlns:a="http://schemas.openxmlformats.org/drawingml/2006/main" xmlns:r="http://schemas.openxmlformats.org/officeDocument/2006/relationships" xmlns:p="http://schemas.openxmlformats.org/presentationml/2006/main" showMasterSp="0">
   <p:cSld>
     <p:spTree>
       <p:nvGrpSpPr>
@@ -17484,7 +17514,7 @@
           <p:cNvPr id="4" name="Rectangle 3">
             <a:extLst>
               <a:ext uri="{FF2B5EF4-FFF2-40B4-BE49-F238E27FC236}">
-                <a16:creationId xmlns:a16="http://schemas.microsoft.com/office/drawing/2014/main" id="{32E482A3-6A6B-4090-886A-CEC9B92743B9}"/>
+                <a16:creationId xmlns:a16="http://schemas.microsoft.com/office/drawing/2014/main" xmlns="" id="{32E482A3-6A6B-4090-886A-CEC9B92743B9}"/>
               </a:ext>
             </a:extLst>
           </p:cNvPr>
@@ -17657,7 +17687,7 @@
 </file>
 
 <file path=ppt/slides/slide57.xml><?xml version="1.0" encoding="utf-8"?>
-<p:sld xmlns:a="http://schemas.openxmlformats.org/drawingml/2006/main" xmlns:r="http://schemas.openxmlformats.org/officeDocument/2006/relationships" xmlns:p="http://schemas.openxmlformats.org/presentationml/2006/main">
+<p:sld xmlns:a="http://schemas.openxmlformats.org/drawingml/2006/main" xmlns:r="http://schemas.openxmlformats.org/officeDocument/2006/relationships" xmlns:p="http://schemas.openxmlformats.org/presentationml/2006/main" showMasterSp="0">
   <p:cSld>
     <p:spTree>
       <p:nvGrpSpPr>
@@ -17850,7 +17880,7 @@
 </file>
 
 <file path=ppt/slides/slide58.xml><?xml version="1.0" encoding="utf-8"?>
-<p:sld xmlns:a="http://schemas.openxmlformats.org/drawingml/2006/main" xmlns:r="http://schemas.openxmlformats.org/officeDocument/2006/relationships" xmlns:p="http://schemas.openxmlformats.org/presentationml/2006/main">
+<p:sld xmlns:a="http://schemas.openxmlformats.org/drawingml/2006/main" xmlns:r="http://schemas.openxmlformats.org/officeDocument/2006/relationships" xmlns:p="http://schemas.openxmlformats.org/presentationml/2006/main" showMasterSp="0">
   <p:cSld>
     <p:spTree>
       <p:nvGrpSpPr>
@@ -18048,7 +18078,7 @@
 </file>
 
 <file path=ppt/slides/slide59.xml><?xml version="1.0" encoding="utf-8"?>
-<p:sld xmlns:a="http://schemas.openxmlformats.org/drawingml/2006/main" xmlns:r="http://schemas.openxmlformats.org/officeDocument/2006/relationships" xmlns:p="http://schemas.openxmlformats.org/presentationml/2006/main">
+<p:sld xmlns:a="http://schemas.openxmlformats.org/drawingml/2006/main" xmlns:r="http://schemas.openxmlformats.org/officeDocument/2006/relationships" xmlns:p="http://schemas.openxmlformats.org/presentationml/2006/main" showMasterSp="0">
   <p:cSld>
     <p:spTree>
       <p:nvGrpSpPr>
@@ -18309,7 +18339,7 @@
 </file>
 
 <file path=ppt/slides/slide6.xml><?xml version="1.0" encoding="utf-8"?>
-<p:sld xmlns:a="http://schemas.openxmlformats.org/drawingml/2006/main" xmlns:r="http://schemas.openxmlformats.org/officeDocument/2006/relationships" xmlns:p="http://schemas.openxmlformats.org/presentationml/2006/main">
+<p:sld xmlns:a="http://schemas.openxmlformats.org/drawingml/2006/main" xmlns:r="http://schemas.openxmlformats.org/officeDocument/2006/relationships" xmlns:p="http://schemas.openxmlformats.org/presentationml/2006/main" showMasterSp="0">
   <p:cSld>
     <p:spTree>
       <p:nvGrpSpPr>
@@ -19089,7 +19119,7 @@
 </file>
 
 <file path=ppt/slides/slide60.xml><?xml version="1.0" encoding="utf-8"?>
-<p:sld xmlns:a="http://schemas.openxmlformats.org/drawingml/2006/main" xmlns:r="http://schemas.openxmlformats.org/officeDocument/2006/relationships" xmlns:p="http://schemas.openxmlformats.org/presentationml/2006/main">
+<p:sld xmlns:a="http://schemas.openxmlformats.org/drawingml/2006/main" xmlns:r="http://schemas.openxmlformats.org/officeDocument/2006/relationships" xmlns:p="http://schemas.openxmlformats.org/presentationml/2006/main" showMasterSp="0">
   <p:cSld>
     <p:spTree>
       <p:nvGrpSpPr>
@@ -19239,7 +19269,7 @@
 </file>
 
 <file path=ppt/slides/slide61.xml><?xml version="1.0" encoding="utf-8"?>
-<p:sld xmlns:a="http://schemas.openxmlformats.org/drawingml/2006/main" xmlns:r="http://schemas.openxmlformats.org/officeDocument/2006/relationships" xmlns:p="http://schemas.openxmlformats.org/presentationml/2006/main">
+<p:sld xmlns:a="http://schemas.openxmlformats.org/drawingml/2006/main" xmlns:r="http://schemas.openxmlformats.org/officeDocument/2006/relationships" xmlns:p="http://schemas.openxmlformats.org/presentationml/2006/main" showMasterSp="0">
   <p:cSld>
     <p:spTree>
       <p:nvGrpSpPr>
@@ -19647,7 +19677,7 @@
 </file>
 
 <file path=ppt/slides/slide62.xml><?xml version="1.0" encoding="utf-8"?>
-<p:sld xmlns:a="http://schemas.openxmlformats.org/drawingml/2006/main" xmlns:r="http://schemas.openxmlformats.org/officeDocument/2006/relationships" xmlns:p="http://schemas.openxmlformats.org/presentationml/2006/main">
+<p:sld xmlns:a="http://schemas.openxmlformats.org/drawingml/2006/main" xmlns:r="http://schemas.openxmlformats.org/officeDocument/2006/relationships" xmlns:p="http://schemas.openxmlformats.org/presentationml/2006/main" showMasterSp="0">
   <p:cSld>
     <p:spTree>
       <p:nvGrpSpPr>
@@ -19703,7 +19733,7 @@
 </file>
 
 <file path=ppt/slides/slide63.xml><?xml version="1.0" encoding="utf-8"?>
-<p:sld xmlns:a="http://schemas.openxmlformats.org/drawingml/2006/main" xmlns:r="http://schemas.openxmlformats.org/officeDocument/2006/relationships" xmlns:p="http://schemas.openxmlformats.org/presentationml/2006/main">
+<p:sld xmlns:a="http://schemas.openxmlformats.org/drawingml/2006/main" xmlns:r="http://schemas.openxmlformats.org/officeDocument/2006/relationships" xmlns:p="http://schemas.openxmlformats.org/presentationml/2006/main" showMasterSp="0">
   <p:cSld>
     <p:spTree>
       <p:nvGrpSpPr>
@@ -19820,7 +19850,7 @@
 </file>
 
 <file path=ppt/slides/slide64.xml><?xml version="1.0" encoding="utf-8"?>
-<p:sld xmlns:a="http://schemas.openxmlformats.org/drawingml/2006/main" xmlns:r="http://schemas.openxmlformats.org/officeDocument/2006/relationships" xmlns:p="http://schemas.openxmlformats.org/presentationml/2006/main">
+<p:sld xmlns:a="http://schemas.openxmlformats.org/drawingml/2006/main" xmlns:r="http://schemas.openxmlformats.org/officeDocument/2006/relationships" xmlns:p="http://schemas.openxmlformats.org/presentationml/2006/main" showMasterSp="0">
   <p:cSld>
     <p:spTree>
       <p:nvGrpSpPr>
@@ -20107,7 +20137,7 @@
 </file>
 
 <file path=ppt/slides/slide65.xml><?xml version="1.0" encoding="utf-8"?>
-<p:sld xmlns:a="http://schemas.openxmlformats.org/drawingml/2006/main" xmlns:r="http://schemas.openxmlformats.org/officeDocument/2006/relationships" xmlns:p="http://schemas.openxmlformats.org/presentationml/2006/main">
+<p:sld xmlns:a="http://schemas.openxmlformats.org/drawingml/2006/main" xmlns:r="http://schemas.openxmlformats.org/officeDocument/2006/relationships" xmlns:p="http://schemas.openxmlformats.org/presentationml/2006/main" showMasterSp="0">
   <p:cSld>
     <p:spTree>
       <p:nvGrpSpPr>
@@ -20159,7 +20189,7 @@
 </file>
 
 <file path=ppt/slides/slide7.xml><?xml version="1.0" encoding="utf-8"?>
-<p:sld xmlns:a="http://schemas.openxmlformats.org/drawingml/2006/main" xmlns:r="http://schemas.openxmlformats.org/officeDocument/2006/relationships" xmlns:p="http://schemas.openxmlformats.org/presentationml/2006/main">
+<p:sld xmlns:a="http://schemas.openxmlformats.org/drawingml/2006/main" xmlns:r="http://schemas.openxmlformats.org/officeDocument/2006/relationships" xmlns:p="http://schemas.openxmlformats.org/presentationml/2006/main" showMasterSp="0">
   <p:cSld>
     <p:spTree>
       <p:nvGrpSpPr>
@@ -20310,7 +20340,7 @@
 </file>
 
 <file path=ppt/slides/slide8.xml><?xml version="1.0" encoding="utf-8"?>
-<p:sld xmlns:a="http://schemas.openxmlformats.org/drawingml/2006/main" xmlns:r="http://schemas.openxmlformats.org/officeDocument/2006/relationships" xmlns:p="http://schemas.openxmlformats.org/presentationml/2006/main">
+<p:sld xmlns:a="http://schemas.openxmlformats.org/drawingml/2006/main" xmlns:r="http://schemas.openxmlformats.org/officeDocument/2006/relationships" xmlns:p="http://schemas.openxmlformats.org/presentationml/2006/main" showMasterSp="0">
   <p:cSld>
     <p:spTree>
       <p:nvGrpSpPr>
@@ -20676,7 +20706,7 @@
 </file>
 
 <file path=ppt/slides/slide9.xml><?xml version="1.0" encoding="utf-8"?>
-<p:sld xmlns:a="http://schemas.openxmlformats.org/drawingml/2006/main" xmlns:r="http://schemas.openxmlformats.org/officeDocument/2006/relationships" xmlns:p="http://schemas.openxmlformats.org/presentationml/2006/main">
+<p:sld xmlns:a="http://schemas.openxmlformats.org/drawingml/2006/main" xmlns:r="http://schemas.openxmlformats.org/officeDocument/2006/relationships" xmlns:p="http://schemas.openxmlformats.org/presentationml/2006/main" showMasterSp="0">
   <p:cSld>
     <p:spTree>
       <p:nvGrpSpPr>

--- a/Angular Traning Data/presentation/01-02 Angular JS v 3.0.pptx
+++ b/Angular Traning Data/presentation/01-02 Angular JS v 3.0.pptx
@@ -5295,1279 +5295,6 @@
           <a:chExt cx="0" cy="0"/>
         </a:xfrm>
       </p:grpSpPr>
-      <p:pic>
-        <p:nvPicPr>
-          <p:cNvPr id="12" name="Picture 11"/>
-          <p:cNvPicPr>
-            <a:picLocks noChangeAspect="1"/>
-          </p:cNvPicPr>
-          <p:nvPr userDrawn="1"/>
-        </p:nvPicPr>
-        <p:blipFill rotWithShape="1">
-          <a:blip r:embed="rId2" cstate="print">
-            <a:extLst>
-              <a:ext uri="{28A0092B-C50C-407E-A947-70E740481C1C}">
-                <a14:useLocalDpi xmlns:a14="http://schemas.microsoft.com/office/drawing/2010/main" val="0"/>
-              </a:ext>
-            </a:extLst>
-          </a:blip>
-          <a:srcRect l="27516" t="1677" b="739"/>
-          <a:stretch/>
-        </p:blipFill>
-        <p:spPr>
-          <a:xfrm>
-            <a:off x="0" y="0"/>
-            <a:ext cx="9144000" cy="6924656"/>
-          </a:xfrm>
-          <a:prstGeom prst="rect">
-            <a:avLst/>
-          </a:prstGeom>
-        </p:spPr>
-      </p:pic>
-      <p:grpSp>
-        <p:nvGrpSpPr>
-          <p:cNvPr id="13" name="Group 12"/>
-          <p:cNvGrpSpPr/>
-          <p:nvPr userDrawn="1"/>
-        </p:nvGrpSpPr>
-        <p:grpSpPr>
-          <a:xfrm>
-            <a:off x="5683740" y="2394673"/>
-            <a:ext cx="3074395" cy="2060440"/>
-            <a:chOff x="5701703" y="682760"/>
-            <a:chExt cx="3074395" cy="2060440"/>
-          </a:xfrm>
-        </p:grpSpPr>
-        <p:sp>
-          <p:nvSpPr>
-            <p:cNvPr id="14" name="Freeform 13"/>
-            <p:cNvSpPr/>
-            <p:nvPr/>
-          </p:nvSpPr>
-          <p:spPr>
-            <a:xfrm>
-              <a:off x="6164291" y="682760"/>
-              <a:ext cx="2013677" cy="2060440"/>
-            </a:xfrm>
-            <a:custGeom>
-              <a:avLst/>
-              <a:gdLst>
-                <a:gd name="connsiteX0" fmla="*/ 0 w 4457700"/>
-                <a:gd name="connsiteY0" fmla="*/ 0 h 4552950"/>
-                <a:gd name="connsiteX1" fmla="*/ 4457700 w 4457700"/>
-                <a:gd name="connsiteY1" fmla="*/ 1828800 h 4552950"/>
-                <a:gd name="connsiteX2" fmla="*/ 4457700 w 4457700"/>
-                <a:gd name="connsiteY2" fmla="*/ 2743200 h 4552950"/>
-                <a:gd name="connsiteX3" fmla="*/ 0 w 4457700"/>
-                <a:gd name="connsiteY3" fmla="*/ 4552950 h 4552950"/>
-                <a:gd name="connsiteX4" fmla="*/ 0 w 4457700"/>
-                <a:gd name="connsiteY4" fmla="*/ 3543300 h 4552950"/>
-                <a:gd name="connsiteX5" fmla="*/ 3282950 w 4457700"/>
-                <a:gd name="connsiteY5" fmla="*/ 2286000 h 4552950"/>
-                <a:gd name="connsiteX6" fmla="*/ 0 w 4457700"/>
-                <a:gd name="connsiteY6" fmla="*/ 1016000 h 4552950"/>
-                <a:gd name="connsiteX7" fmla="*/ 0 w 4457700"/>
-                <a:gd name="connsiteY7" fmla="*/ 0 h 4552950"/>
-                <a:gd name="connsiteX0" fmla="*/ 0 w 4457700"/>
-                <a:gd name="connsiteY0" fmla="*/ 0 h 4552950"/>
-                <a:gd name="connsiteX1" fmla="*/ 4457700 w 4457700"/>
-                <a:gd name="connsiteY1" fmla="*/ 1824037 h 4552950"/>
-                <a:gd name="connsiteX2" fmla="*/ 4457700 w 4457700"/>
-                <a:gd name="connsiteY2" fmla="*/ 2743200 h 4552950"/>
-                <a:gd name="connsiteX3" fmla="*/ 0 w 4457700"/>
-                <a:gd name="connsiteY3" fmla="*/ 4552950 h 4552950"/>
-                <a:gd name="connsiteX4" fmla="*/ 0 w 4457700"/>
-                <a:gd name="connsiteY4" fmla="*/ 3543300 h 4552950"/>
-                <a:gd name="connsiteX5" fmla="*/ 3282950 w 4457700"/>
-                <a:gd name="connsiteY5" fmla="*/ 2286000 h 4552950"/>
-                <a:gd name="connsiteX6" fmla="*/ 0 w 4457700"/>
-                <a:gd name="connsiteY6" fmla="*/ 1016000 h 4552950"/>
-                <a:gd name="connsiteX7" fmla="*/ 0 w 4457700"/>
-                <a:gd name="connsiteY7" fmla="*/ 0 h 4552950"/>
-                <a:gd name="connsiteX0" fmla="*/ 0 w 4457700"/>
-                <a:gd name="connsiteY0" fmla="*/ 0 h 4552950"/>
-                <a:gd name="connsiteX1" fmla="*/ 4457700 w 4457700"/>
-                <a:gd name="connsiteY1" fmla="*/ 1816893 h 4552950"/>
-                <a:gd name="connsiteX2" fmla="*/ 4457700 w 4457700"/>
-                <a:gd name="connsiteY2" fmla="*/ 2743200 h 4552950"/>
-                <a:gd name="connsiteX3" fmla="*/ 0 w 4457700"/>
-                <a:gd name="connsiteY3" fmla="*/ 4552950 h 4552950"/>
-                <a:gd name="connsiteX4" fmla="*/ 0 w 4457700"/>
-                <a:gd name="connsiteY4" fmla="*/ 3543300 h 4552950"/>
-                <a:gd name="connsiteX5" fmla="*/ 3282950 w 4457700"/>
-                <a:gd name="connsiteY5" fmla="*/ 2286000 h 4552950"/>
-                <a:gd name="connsiteX6" fmla="*/ 0 w 4457700"/>
-                <a:gd name="connsiteY6" fmla="*/ 1016000 h 4552950"/>
-                <a:gd name="connsiteX7" fmla="*/ 0 w 4457700"/>
-                <a:gd name="connsiteY7" fmla="*/ 0 h 4552950"/>
-                <a:gd name="connsiteX0" fmla="*/ 0 w 4462462"/>
-                <a:gd name="connsiteY0" fmla="*/ 0 h 4552950"/>
-                <a:gd name="connsiteX1" fmla="*/ 4462462 w 4462462"/>
-                <a:gd name="connsiteY1" fmla="*/ 1819275 h 4552950"/>
-                <a:gd name="connsiteX2" fmla="*/ 4457700 w 4462462"/>
-                <a:gd name="connsiteY2" fmla="*/ 2743200 h 4552950"/>
-                <a:gd name="connsiteX3" fmla="*/ 0 w 4462462"/>
-                <a:gd name="connsiteY3" fmla="*/ 4552950 h 4552950"/>
-                <a:gd name="connsiteX4" fmla="*/ 0 w 4462462"/>
-                <a:gd name="connsiteY4" fmla="*/ 3543300 h 4552950"/>
-                <a:gd name="connsiteX5" fmla="*/ 3282950 w 4462462"/>
-                <a:gd name="connsiteY5" fmla="*/ 2286000 h 4552950"/>
-                <a:gd name="connsiteX6" fmla="*/ 0 w 4462462"/>
-                <a:gd name="connsiteY6" fmla="*/ 1016000 h 4552950"/>
-                <a:gd name="connsiteX7" fmla="*/ 0 w 4462462"/>
-                <a:gd name="connsiteY7" fmla="*/ 0 h 4552950"/>
-                <a:gd name="connsiteX0" fmla="*/ 0 w 4462921"/>
-                <a:gd name="connsiteY0" fmla="*/ 0 h 4552950"/>
-                <a:gd name="connsiteX1" fmla="*/ 4462462 w 4462921"/>
-                <a:gd name="connsiteY1" fmla="*/ 1819275 h 4552950"/>
-                <a:gd name="connsiteX2" fmla="*/ 4462463 w 4462921"/>
-                <a:gd name="connsiteY2" fmla="*/ 2747962 h 4552950"/>
-                <a:gd name="connsiteX3" fmla="*/ 0 w 4462921"/>
-                <a:gd name="connsiteY3" fmla="*/ 4552950 h 4552950"/>
-                <a:gd name="connsiteX4" fmla="*/ 0 w 4462921"/>
-                <a:gd name="connsiteY4" fmla="*/ 3543300 h 4552950"/>
-                <a:gd name="connsiteX5" fmla="*/ 3282950 w 4462921"/>
-                <a:gd name="connsiteY5" fmla="*/ 2286000 h 4552950"/>
-                <a:gd name="connsiteX6" fmla="*/ 0 w 4462921"/>
-                <a:gd name="connsiteY6" fmla="*/ 1016000 h 4552950"/>
-                <a:gd name="connsiteX7" fmla="*/ 0 w 4462921"/>
-                <a:gd name="connsiteY7" fmla="*/ 0 h 4552950"/>
-                <a:gd name="connsiteX0" fmla="*/ 0 w 4462921"/>
-                <a:gd name="connsiteY0" fmla="*/ 0 h 4552950"/>
-                <a:gd name="connsiteX1" fmla="*/ 4462462 w 4462921"/>
-                <a:gd name="connsiteY1" fmla="*/ 1819275 h 4552950"/>
-                <a:gd name="connsiteX2" fmla="*/ 4462463 w 4462921"/>
-                <a:gd name="connsiteY2" fmla="*/ 2747962 h 4552950"/>
-                <a:gd name="connsiteX3" fmla="*/ 0 w 4462921"/>
-                <a:gd name="connsiteY3" fmla="*/ 4552950 h 4552950"/>
-                <a:gd name="connsiteX4" fmla="*/ 0 w 4462921"/>
-                <a:gd name="connsiteY4" fmla="*/ 3543300 h 4552950"/>
-                <a:gd name="connsiteX5" fmla="*/ 3282950 w 4462921"/>
-                <a:gd name="connsiteY5" fmla="*/ 2286000 h 4552950"/>
-                <a:gd name="connsiteX6" fmla="*/ 0 w 4462921"/>
-                <a:gd name="connsiteY6" fmla="*/ 1016000 h 4552950"/>
-                <a:gd name="connsiteX7" fmla="*/ 0 w 4462921"/>
-                <a:gd name="connsiteY7" fmla="*/ 0 h 4552950"/>
-                <a:gd name="connsiteX0" fmla="*/ 0 w 4462921"/>
-                <a:gd name="connsiteY0" fmla="*/ 0 h 4560094"/>
-                <a:gd name="connsiteX1" fmla="*/ 4462462 w 4462921"/>
-                <a:gd name="connsiteY1" fmla="*/ 1819275 h 4560094"/>
-                <a:gd name="connsiteX2" fmla="*/ 4462463 w 4462921"/>
-                <a:gd name="connsiteY2" fmla="*/ 2747962 h 4560094"/>
-                <a:gd name="connsiteX3" fmla="*/ 2381 w 4462921"/>
-                <a:gd name="connsiteY3" fmla="*/ 4560094 h 4560094"/>
-                <a:gd name="connsiteX4" fmla="*/ 0 w 4462921"/>
-                <a:gd name="connsiteY4" fmla="*/ 3543300 h 4560094"/>
-                <a:gd name="connsiteX5" fmla="*/ 3282950 w 4462921"/>
-                <a:gd name="connsiteY5" fmla="*/ 2286000 h 4560094"/>
-                <a:gd name="connsiteX6" fmla="*/ 0 w 4462921"/>
-                <a:gd name="connsiteY6" fmla="*/ 1016000 h 4560094"/>
-                <a:gd name="connsiteX7" fmla="*/ 0 w 4462921"/>
-                <a:gd name="connsiteY7" fmla="*/ 0 h 4560094"/>
-                <a:gd name="connsiteX0" fmla="*/ 0 w 4462921"/>
-                <a:gd name="connsiteY0" fmla="*/ 0 h 4560094"/>
-                <a:gd name="connsiteX1" fmla="*/ 4462462 w 4462921"/>
-                <a:gd name="connsiteY1" fmla="*/ 1819275 h 4560094"/>
-                <a:gd name="connsiteX2" fmla="*/ 4462463 w 4462921"/>
-                <a:gd name="connsiteY2" fmla="*/ 2747962 h 4560094"/>
-                <a:gd name="connsiteX3" fmla="*/ 2381 w 4462921"/>
-                <a:gd name="connsiteY3" fmla="*/ 4560094 h 4560094"/>
-                <a:gd name="connsiteX4" fmla="*/ 0 w 4462921"/>
-                <a:gd name="connsiteY4" fmla="*/ 3543300 h 4560094"/>
-                <a:gd name="connsiteX5" fmla="*/ 3275807 w 4462921"/>
-                <a:gd name="connsiteY5" fmla="*/ 2286000 h 4560094"/>
-                <a:gd name="connsiteX6" fmla="*/ 0 w 4462921"/>
-                <a:gd name="connsiteY6" fmla="*/ 1016000 h 4560094"/>
-                <a:gd name="connsiteX7" fmla="*/ 0 w 4462921"/>
-                <a:gd name="connsiteY7" fmla="*/ 0 h 4560094"/>
-                <a:gd name="connsiteX0" fmla="*/ 0 w 4462921"/>
-                <a:gd name="connsiteY0" fmla="*/ 0 h 4557713"/>
-                <a:gd name="connsiteX1" fmla="*/ 4462462 w 4462921"/>
-                <a:gd name="connsiteY1" fmla="*/ 1819275 h 4557713"/>
-                <a:gd name="connsiteX2" fmla="*/ 4462463 w 4462921"/>
-                <a:gd name="connsiteY2" fmla="*/ 2747962 h 4557713"/>
-                <a:gd name="connsiteX3" fmla="*/ 2381 w 4462921"/>
-                <a:gd name="connsiteY3" fmla="*/ 4557713 h 4557713"/>
-                <a:gd name="connsiteX4" fmla="*/ 0 w 4462921"/>
-                <a:gd name="connsiteY4" fmla="*/ 3543300 h 4557713"/>
-                <a:gd name="connsiteX5" fmla="*/ 3275807 w 4462921"/>
-                <a:gd name="connsiteY5" fmla="*/ 2286000 h 4557713"/>
-                <a:gd name="connsiteX6" fmla="*/ 0 w 4462921"/>
-                <a:gd name="connsiteY6" fmla="*/ 1016000 h 4557713"/>
-                <a:gd name="connsiteX7" fmla="*/ 0 w 4462921"/>
-                <a:gd name="connsiteY7" fmla="*/ 0 h 4557713"/>
-                <a:gd name="connsiteX0" fmla="*/ 0 w 4462921"/>
-                <a:gd name="connsiteY0" fmla="*/ 0 h 4562475"/>
-                <a:gd name="connsiteX1" fmla="*/ 4462462 w 4462921"/>
-                <a:gd name="connsiteY1" fmla="*/ 1819275 h 4562475"/>
-                <a:gd name="connsiteX2" fmla="*/ 4462463 w 4462921"/>
-                <a:gd name="connsiteY2" fmla="*/ 2747962 h 4562475"/>
-                <a:gd name="connsiteX3" fmla="*/ 2381 w 4462921"/>
-                <a:gd name="connsiteY3" fmla="*/ 4562475 h 4562475"/>
-                <a:gd name="connsiteX4" fmla="*/ 0 w 4462921"/>
-                <a:gd name="connsiteY4" fmla="*/ 3543300 h 4562475"/>
-                <a:gd name="connsiteX5" fmla="*/ 3275807 w 4462921"/>
-                <a:gd name="connsiteY5" fmla="*/ 2286000 h 4562475"/>
-                <a:gd name="connsiteX6" fmla="*/ 0 w 4462921"/>
-                <a:gd name="connsiteY6" fmla="*/ 1016000 h 4562475"/>
-                <a:gd name="connsiteX7" fmla="*/ 0 w 4462921"/>
-                <a:gd name="connsiteY7" fmla="*/ 0 h 4562475"/>
-                <a:gd name="connsiteX0" fmla="*/ 2486 w 4465407"/>
-                <a:gd name="connsiteY0" fmla="*/ 0 h 4564856"/>
-                <a:gd name="connsiteX1" fmla="*/ 4464948 w 4465407"/>
-                <a:gd name="connsiteY1" fmla="*/ 1819275 h 4564856"/>
-                <a:gd name="connsiteX2" fmla="*/ 4464949 w 4465407"/>
-                <a:gd name="connsiteY2" fmla="*/ 2747962 h 4564856"/>
-                <a:gd name="connsiteX3" fmla="*/ 105 w 4465407"/>
-                <a:gd name="connsiteY3" fmla="*/ 4564856 h 4564856"/>
-                <a:gd name="connsiteX4" fmla="*/ 2486 w 4465407"/>
-                <a:gd name="connsiteY4" fmla="*/ 3543300 h 4564856"/>
-                <a:gd name="connsiteX5" fmla="*/ 3278293 w 4465407"/>
-                <a:gd name="connsiteY5" fmla="*/ 2286000 h 4564856"/>
-                <a:gd name="connsiteX6" fmla="*/ 2486 w 4465407"/>
-                <a:gd name="connsiteY6" fmla="*/ 1016000 h 4564856"/>
-                <a:gd name="connsiteX7" fmla="*/ 2486 w 4465407"/>
-                <a:gd name="connsiteY7" fmla="*/ 0 h 4564856"/>
-                <a:gd name="connsiteX0" fmla="*/ 2610 w 4465531"/>
-                <a:gd name="connsiteY0" fmla="*/ 0 h 4564856"/>
-                <a:gd name="connsiteX1" fmla="*/ 4465072 w 4465531"/>
-                <a:gd name="connsiteY1" fmla="*/ 1819275 h 4564856"/>
-                <a:gd name="connsiteX2" fmla="*/ 4465073 w 4465531"/>
-                <a:gd name="connsiteY2" fmla="*/ 2747962 h 4564856"/>
-                <a:gd name="connsiteX3" fmla="*/ 229 w 4465531"/>
-                <a:gd name="connsiteY3" fmla="*/ 4564856 h 4564856"/>
-                <a:gd name="connsiteX4" fmla="*/ 228 w 4465531"/>
-                <a:gd name="connsiteY4" fmla="*/ 3545681 h 4564856"/>
-                <a:gd name="connsiteX5" fmla="*/ 3278417 w 4465531"/>
-                <a:gd name="connsiteY5" fmla="*/ 2286000 h 4564856"/>
-                <a:gd name="connsiteX6" fmla="*/ 2610 w 4465531"/>
-                <a:gd name="connsiteY6" fmla="*/ 1016000 h 4564856"/>
-                <a:gd name="connsiteX7" fmla="*/ 2610 w 4465531"/>
-                <a:gd name="connsiteY7" fmla="*/ 0 h 4564856"/>
-                <a:gd name="connsiteX0" fmla="*/ 2610 w 4465531"/>
-                <a:gd name="connsiteY0" fmla="*/ 0 h 4564856"/>
-                <a:gd name="connsiteX1" fmla="*/ 4465072 w 4465531"/>
-                <a:gd name="connsiteY1" fmla="*/ 1819275 h 4564856"/>
-                <a:gd name="connsiteX2" fmla="*/ 4465073 w 4465531"/>
-                <a:gd name="connsiteY2" fmla="*/ 2750343 h 4564856"/>
-                <a:gd name="connsiteX3" fmla="*/ 229 w 4465531"/>
-                <a:gd name="connsiteY3" fmla="*/ 4564856 h 4564856"/>
-                <a:gd name="connsiteX4" fmla="*/ 228 w 4465531"/>
-                <a:gd name="connsiteY4" fmla="*/ 3545681 h 4564856"/>
-                <a:gd name="connsiteX5" fmla="*/ 3278417 w 4465531"/>
-                <a:gd name="connsiteY5" fmla="*/ 2286000 h 4564856"/>
-                <a:gd name="connsiteX6" fmla="*/ 2610 w 4465531"/>
-                <a:gd name="connsiteY6" fmla="*/ 1016000 h 4564856"/>
-                <a:gd name="connsiteX7" fmla="*/ 2610 w 4465531"/>
-                <a:gd name="connsiteY7" fmla="*/ 0 h 4564856"/>
-                <a:gd name="connsiteX0" fmla="*/ 2610 w 4465531"/>
-                <a:gd name="connsiteY0" fmla="*/ 0 h 4564856"/>
-                <a:gd name="connsiteX1" fmla="*/ 4465072 w 4465531"/>
-                <a:gd name="connsiteY1" fmla="*/ 1819275 h 4564856"/>
-                <a:gd name="connsiteX2" fmla="*/ 4465073 w 4465531"/>
-                <a:gd name="connsiteY2" fmla="*/ 2755106 h 4564856"/>
-                <a:gd name="connsiteX3" fmla="*/ 229 w 4465531"/>
-                <a:gd name="connsiteY3" fmla="*/ 4564856 h 4564856"/>
-                <a:gd name="connsiteX4" fmla="*/ 228 w 4465531"/>
-                <a:gd name="connsiteY4" fmla="*/ 3545681 h 4564856"/>
-                <a:gd name="connsiteX5" fmla="*/ 3278417 w 4465531"/>
-                <a:gd name="connsiteY5" fmla="*/ 2286000 h 4564856"/>
-                <a:gd name="connsiteX6" fmla="*/ 2610 w 4465531"/>
-                <a:gd name="connsiteY6" fmla="*/ 1016000 h 4564856"/>
-                <a:gd name="connsiteX7" fmla="*/ 2610 w 4465531"/>
-                <a:gd name="connsiteY7" fmla="*/ 0 h 4564856"/>
-                <a:gd name="connsiteX0" fmla="*/ 2610 w 4467453"/>
-                <a:gd name="connsiteY0" fmla="*/ 0 h 4564856"/>
-                <a:gd name="connsiteX1" fmla="*/ 4467453 w 4467453"/>
-                <a:gd name="connsiteY1" fmla="*/ 1816894 h 4564856"/>
-                <a:gd name="connsiteX2" fmla="*/ 4465073 w 4467453"/>
-                <a:gd name="connsiteY2" fmla="*/ 2755106 h 4564856"/>
-                <a:gd name="connsiteX3" fmla="*/ 229 w 4467453"/>
-                <a:gd name="connsiteY3" fmla="*/ 4564856 h 4564856"/>
-                <a:gd name="connsiteX4" fmla="*/ 228 w 4467453"/>
-                <a:gd name="connsiteY4" fmla="*/ 3545681 h 4564856"/>
-                <a:gd name="connsiteX5" fmla="*/ 3278417 w 4467453"/>
-                <a:gd name="connsiteY5" fmla="*/ 2286000 h 4564856"/>
-                <a:gd name="connsiteX6" fmla="*/ 2610 w 4467453"/>
-                <a:gd name="connsiteY6" fmla="*/ 1016000 h 4564856"/>
-                <a:gd name="connsiteX7" fmla="*/ 2610 w 4467453"/>
-                <a:gd name="connsiteY7" fmla="*/ 0 h 4564856"/>
-                <a:gd name="connsiteX0" fmla="*/ 2610 w 4467453"/>
-                <a:gd name="connsiteY0" fmla="*/ 0 h 4564856"/>
-                <a:gd name="connsiteX1" fmla="*/ 4467453 w 4467453"/>
-                <a:gd name="connsiteY1" fmla="*/ 1816894 h 4564856"/>
-                <a:gd name="connsiteX2" fmla="*/ 4465073 w 4467453"/>
-                <a:gd name="connsiteY2" fmla="*/ 2755106 h 4564856"/>
-                <a:gd name="connsiteX3" fmla="*/ 229 w 4467453"/>
-                <a:gd name="connsiteY3" fmla="*/ 4564856 h 4564856"/>
-                <a:gd name="connsiteX4" fmla="*/ 228 w 4467453"/>
-                <a:gd name="connsiteY4" fmla="*/ 3545681 h 4564856"/>
-                <a:gd name="connsiteX5" fmla="*/ 3278417 w 4467453"/>
-                <a:gd name="connsiteY5" fmla="*/ 2286000 h 4564856"/>
-                <a:gd name="connsiteX6" fmla="*/ 2610 w 4467453"/>
-                <a:gd name="connsiteY6" fmla="*/ 1020763 h 4564856"/>
-                <a:gd name="connsiteX7" fmla="*/ 2610 w 4467453"/>
-                <a:gd name="connsiteY7" fmla="*/ 0 h 4564856"/>
-                <a:gd name="connsiteX0" fmla="*/ 2610 w 4467453"/>
-                <a:gd name="connsiteY0" fmla="*/ 0 h 4564856"/>
-                <a:gd name="connsiteX1" fmla="*/ 4467453 w 4467453"/>
-                <a:gd name="connsiteY1" fmla="*/ 1816894 h 4564856"/>
-                <a:gd name="connsiteX2" fmla="*/ 4465073 w 4467453"/>
-                <a:gd name="connsiteY2" fmla="*/ 2755106 h 4564856"/>
-                <a:gd name="connsiteX3" fmla="*/ 229 w 4467453"/>
-                <a:gd name="connsiteY3" fmla="*/ 4564856 h 4564856"/>
-                <a:gd name="connsiteX4" fmla="*/ 228 w 4467453"/>
-                <a:gd name="connsiteY4" fmla="*/ 3545681 h 4564856"/>
-                <a:gd name="connsiteX5" fmla="*/ 3271273 w 4467453"/>
-                <a:gd name="connsiteY5" fmla="*/ 2288382 h 4564856"/>
-                <a:gd name="connsiteX6" fmla="*/ 2610 w 4467453"/>
-                <a:gd name="connsiteY6" fmla="*/ 1020763 h 4564856"/>
-                <a:gd name="connsiteX7" fmla="*/ 2610 w 4467453"/>
-                <a:gd name="connsiteY7" fmla="*/ 0 h 4564856"/>
-                <a:gd name="connsiteX0" fmla="*/ 2610 w 4467453"/>
-                <a:gd name="connsiteY0" fmla="*/ 0 h 4564856"/>
-                <a:gd name="connsiteX1" fmla="*/ 4467453 w 4467453"/>
-                <a:gd name="connsiteY1" fmla="*/ 1816894 h 4564856"/>
-                <a:gd name="connsiteX2" fmla="*/ 4465073 w 4467453"/>
-                <a:gd name="connsiteY2" fmla="*/ 2755106 h 4564856"/>
-                <a:gd name="connsiteX3" fmla="*/ 229 w 4467453"/>
-                <a:gd name="connsiteY3" fmla="*/ 4564856 h 4564856"/>
-                <a:gd name="connsiteX4" fmla="*/ 228 w 4467453"/>
-                <a:gd name="connsiteY4" fmla="*/ 3545681 h 4564856"/>
-                <a:gd name="connsiteX5" fmla="*/ 3271273 w 4467453"/>
-                <a:gd name="connsiteY5" fmla="*/ 2288382 h 4564856"/>
-                <a:gd name="connsiteX6" fmla="*/ 2610 w 4467453"/>
-                <a:gd name="connsiteY6" fmla="*/ 1020763 h 4564856"/>
-                <a:gd name="connsiteX7" fmla="*/ 2610 w 4467453"/>
-                <a:gd name="connsiteY7" fmla="*/ 0 h 4564856"/>
-                <a:gd name="connsiteX0" fmla="*/ 2610 w 4465530"/>
-                <a:gd name="connsiteY0" fmla="*/ 0 h 4564856"/>
-                <a:gd name="connsiteX1" fmla="*/ 4465071 w 4465530"/>
-                <a:gd name="connsiteY1" fmla="*/ 1819275 h 4564856"/>
-                <a:gd name="connsiteX2" fmla="*/ 4465073 w 4465530"/>
-                <a:gd name="connsiteY2" fmla="*/ 2755106 h 4564856"/>
-                <a:gd name="connsiteX3" fmla="*/ 229 w 4465530"/>
-                <a:gd name="connsiteY3" fmla="*/ 4564856 h 4564856"/>
-                <a:gd name="connsiteX4" fmla="*/ 228 w 4465530"/>
-                <a:gd name="connsiteY4" fmla="*/ 3545681 h 4564856"/>
-                <a:gd name="connsiteX5" fmla="*/ 3271273 w 4465530"/>
-                <a:gd name="connsiteY5" fmla="*/ 2288382 h 4564856"/>
-                <a:gd name="connsiteX6" fmla="*/ 2610 w 4465530"/>
-                <a:gd name="connsiteY6" fmla="*/ 1020763 h 4564856"/>
-                <a:gd name="connsiteX7" fmla="*/ 2610 w 4465530"/>
-                <a:gd name="connsiteY7" fmla="*/ 0 h 4564856"/>
-                <a:gd name="connsiteX0" fmla="*/ 2610 w 4465530"/>
-                <a:gd name="connsiteY0" fmla="*/ 0 h 4564856"/>
-                <a:gd name="connsiteX1" fmla="*/ 4465071 w 4465530"/>
-                <a:gd name="connsiteY1" fmla="*/ 1812131 h 4564856"/>
-                <a:gd name="connsiteX2" fmla="*/ 4465073 w 4465530"/>
-                <a:gd name="connsiteY2" fmla="*/ 2755106 h 4564856"/>
-                <a:gd name="connsiteX3" fmla="*/ 229 w 4465530"/>
-                <a:gd name="connsiteY3" fmla="*/ 4564856 h 4564856"/>
-                <a:gd name="connsiteX4" fmla="*/ 228 w 4465530"/>
-                <a:gd name="connsiteY4" fmla="*/ 3545681 h 4564856"/>
-                <a:gd name="connsiteX5" fmla="*/ 3271273 w 4465530"/>
-                <a:gd name="connsiteY5" fmla="*/ 2288382 h 4564856"/>
-                <a:gd name="connsiteX6" fmla="*/ 2610 w 4465530"/>
-                <a:gd name="connsiteY6" fmla="*/ 1020763 h 4564856"/>
-                <a:gd name="connsiteX7" fmla="*/ 2610 w 4465530"/>
-                <a:gd name="connsiteY7" fmla="*/ 0 h 4564856"/>
-                <a:gd name="connsiteX0" fmla="*/ 2610 w 4465530"/>
-                <a:gd name="connsiteY0" fmla="*/ 0 h 4564856"/>
-                <a:gd name="connsiteX1" fmla="*/ 4465071 w 4465530"/>
-                <a:gd name="connsiteY1" fmla="*/ 1812131 h 4564856"/>
-                <a:gd name="connsiteX2" fmla="*/ 4465073 w 4465530"/>
-                <a:gd name="connsiteY2" fmla="*/ 2755106 h 4564856"/>
-                <a:gd name="connsiteX3" fmla="*/ 229 w 4465530"/>
-                <a:gd name="connsiteY3" fmla="*/ 4564856 h 4564856"/>
-                <a:gd name="connsiteX4" fmla="*/ 228 w 4465530"/>
-                <a:gd name="connsiteY4" fmla="*/ 3545681 h 4564856"/>
-                <a:gd name="connsiteX5" fmla="*/ 3271273 w 4465530"/>
-                <a:gd name="connsiteY5" fmla="*/ 2288382 h 4564856"/>
-                <a:gd name="connsiteX6" fmla="*/ 2610 w 4465530"/>
-                <a:gd name="connsiteY6" fmla="*/ 1023145 h 4564856"/>
-                <a:gd name="connsiteX7" fmla="*/ 2610 w 4465530"/>
-                <a:gd name="connsiteY7" fmla="*/ 0 h 4564856"/>
-                <a:gd name="connsiteX0" fmla="*/ 2610 w 4465530"/>
-                <a:gd name="connsiteY0" fmla="*/ 0 h 4564856"/>
-                <a:gd name="connsiteX1" fmla="*/ 4465071 w 4465530"/>
-                <a:gd name="connsiteY1" fmla="*/ 1812131 h 4564856"/>
-                <a:gd name="connsiteX2" fmla="*/ 4465073 w 4465530"/>
-                <a:gd name="connsiteY2" fmla="*/ 2755106 h 4564856"/>
-                <a:gd name="connsiteX3" fmla="*/ 229 w 4465530"/>
-                <a:gd name="connsiteY3" fmla="*/ 4564856 h 4564856"/>
-                <a:gd name="connsiteX4" fmla="*/ 228 w 4465530"/>
-                <a:gd name="connsiteY4" fmla="*/ 3545681 h 4564856"/>
-                <a:gd name="connsiteX5" fmla="*/ 3264129 w 4465530"/>
-                <a:gd name="connsiteY5" fmla="*/ 2288382 h 4564856"/>
-                <a:gd name="connsiteX6" fmla="*/ 2610 w 4465530"/>
-                <a:gd name="connsiteY6" fmla="*/ 1023145 h 4564856"/>
-                <a:gd name="connsiteX7" fmla="*/ 2610 w 4465530"/>
-                <a:gd name="connsiteY7" fmla="*/ 0 h 4564856"/>
-                <a:gd name="connsiteX0" fmla="*/ 0 w 4467986"/>
-                <a:gd name="connsiteY0" fmla="*/ 0 h 4564856"/>
-                <a:gd name="connsiteX1" fmla="*/ 4467527 w 4467986"/>
-                <a:gd name="connsiteY1" fmla="*/ 1812131 h 4564856"/>
-                <a:gd name="connsiteX2" fmla="*/ 4467529 w 4467986"/>
-                <a:gd name="connsiteY2" fmla="*/ 2755106 h 4564856"/>
-                <a:gd name="connsiteX3" fmla="*/ 2685 w 4467986"/>
-                <a:gd name="connsiteY3" fmla="*/ 4564856 h 4564856"/>
-                <a:gd name="connsiteX4" fmla="*/ 2684 w 4467986"/>
-                <a:gd name="connsiteY4" fmla="*/ 3545681 h 4564856"/>
-                <a:gd name="connsiteX5" fmla="*/ 3266585 w 4467986"/>
-                <a:gd name="connsiteY5" fmla="*/ 2288382 h 4564856"/>
-                <a:gd name="connsiteX6" fmla="*/ 5066 w 4467986"/>
-                <a:gd name="connsiteY6" fmla="*/ 1023145 h 4564856"/>
-                <a:gd name="connsiteX7" fmla="*/ 0 w 4467986"/>
-                <a:gd name="connsiteY7" fmla="*/ 0 h 4564856"/>
-                <a:gd name="connsiteX0" fmla="*/ 0 w 4467986"/>
-                <a:gd name="connsiteY0" fmla="*/ 0 h 4564856"/>
-                <a:gd name="connsiteX1" fmla="*/ 4467527 w 4467986"/>
-                <a:gd name="connsiteY1" fmla="*/ 1812131 h 4564856"/>
-                <a:gd name="connsiteX2" fmla="*/ 4467529 w 4467986"/>
-                <a:gd name="connsiteY2" fmla="*/ 2755106 h 4564856"/>
-                <a:gd name="connsiteX3" fmla="*/ 2685 w 4467986"/>
-                <a:gd name="connsiteY3" fmla="*/ 4564856 h 4564856"/>
-                <a:gd name="connsiteX4" fmla="*/ 2684 w 4467986"/>
-                <a:gd name="connsiteY4" fmla="*/ 3545681 h 4564856"/>
-                <a:gd name="connsiteX5" fmla="*/ 3266585 w 4467986"/>
-                <a:gd name="connsiteY5" fmla="*/ 2288382 h 4564856"/>
-                <a:gd name="connsiteX6" fmla="*/ 2533 w 4467986"/>
-                <a:gd name="connsiteY6" fmla="*/ 1018079 h 4564856"/>
-                <a:gd name="connsiteX7" fmla="*/ 0 w 4467986"/>
-                <a:gd name="connsiteY7" fmla="*/ 0 h 4564856"/>
-                <a:gd name="connsiteX0" fmla="*/ 0 w 4467986"/>
-                <a:gd name="connsiteY0" fmla="*/ 0 h 4564856"/>
-                <a:gd name="connsiteX1" fmla="*/ 4467527 w 4467986"/>
-                <a:gd name="connsiteY1" fmla="*/ 1812131 h 4564856"/>
-                <a:gd name="connsiteX2" fmla="*/ 4467529 w 4467986"/>
-                <a:gd name="connsiteY2" fmla="*/ 2755106 h 4564856"/>
-                <a:gd name="connsiteX3" fmla="*/ 2685 w 4467986"/>
-                <a:gd name="connsiteY3" fmla="*/ 4564856 h 4564856"/>
-                <a:gd name="connsiteX4" fmla="*/ 2684 w 4467986"/>
-                <a:gd name="connsiteY4" fmla="*/ 3545681 h 4564856"/>
-                <a:gd name="connsiteX5" fmla="*/ 3266585 w 4467986"/>
-                <a:gd name="connsiteY5" fmla="*/ 2288382 h 4564856"/>
-                <a:gd name="connsiteX6" fmla="*/ 2533 w 4467986"/>
-                <a:gd name="connsiteY6" fmla="*/ 1023145 h 4564856"/>
-                <a:gd name="connsiteX7" fmla="*/ 0 w 4467986"/>
-                <a:gd name="connsiteY7" fmla="*/ 0 h 4564856"/>
-                <a:gd name="connsiteX0" fmla="*/ 0 w 4467986"/>
-                <a:gd name="connsiteY0" fmla="*/ 0 h 4567262"/>
-                <a:gd name="connsiteX1" fmla="*/ 4467527 w 4467986"/>
-                <a:gd name="connsiteY1" fmla="*/ 1814537 h 4567262"/>
-                <a:gd name="connsiteX2" fmla="*/ 4467529 w 4467986"/>
-                <a:gd name="connsiteY2" fmla="*/ 2757512 h 4567262"/>
-                <a:gd name="connsiteX3" fmla="*/ 2685 w 4467986"/>
-                <a:gd name="connsiteY3" fmla="*/ 4567262 h 4567262"/>
-                <a:gd name="connsiteX4" fmla="*/ 2684 w 4467986"/>
-                <a:gd name="connsiteY4" fmla="*/ 3548087 h 4567262"/>
-                <a:gd name="connsiteX5" fmla="*/ 3266585 w 4467986"/>
-                <a:gd name="connsiteY5" fmla="*/ 2290788 h 4567262"/>
-                <a:gd name="connsiteX6" fmla="*/ 2533 w 4467986"/>
-                <a:gd name="connsiteY6" fmla="*/ 1025551 h 4567262"/>
-                <a:gd name="connsiteX7" fmla="*/ 0 w 4467986"/>
-                <a:gd name="connsiteY7" fmla="*/ 0 h 4567262"/>
-                <a:gd name="connsiteX0" fmla="*/ 377 w 4465956"/>
-                <a:gd name="connsiteY0" fmla="*/ 0 h 4569668"/>
-                <a:gd name="connsiteX1" fmla="*/ 4465497 w 4465956"/>
-                <a:gd name="connsiteY1" fmla="*/ 1816943 h 4569668"/>
-                <a:gd name="connsiteX2" fmla="*/ 4465499 w 4465956"/>
-                <a:gd name="connsiteY2" fmla="*/ 2759918 h 4569668"/>
-                <a:gd name="connsiteX3" fmla="*/ 655 w 4465956"/>
-                <a:gd name="connsiteY3" fmla="*/ 4569668 h 4569668"/>
-                <a:gd name="connsiteX4" fmla="*/ 654 w 4465956"/>
-                <a:gd name="connsiteY4" fmla="*/ 3550493 h 4569668"/>
-                <a:gd name="connsiteX5" fmla="*/ 3264555 w 4465956"/>
-                <a:gd name="connsiteY5" fmla="*/ 2293194 h 4569668"/>
-                <a:gd name="connsiteX6" fmla="*/ 503 w 4465956"/>
-                <a:gd name="connsiteY6" fmla="*/ 1027957 h 4569668"/>
-                <a:gd name="connsiteX7" fmla="*/ 377 w 4465956"/>
-                <a:gd name="connsiteY7" fmla="*/ 0 h 4569668"/>
-                <a:gd name="connsiteX0" fmla="*/ 377 w 4465956"/>
-                <a:gd name="connsiteY0" fmla="*/ 0 h 4569668"/>
-                <a:gd name="connsiteX1" fmla="*/ 4465497 w 4465956"/>
-                <a:gd name="connsiteY1" fmla="*/ 1816943 h 4569668"/>
-                <a:gd name="connsiteX2" fmla="*/ 4465499 w 4465956"/>
-                <a:gd name="connsiteY2" fmla="*/ 2759918 h 4569668"/>
-                <a:gd name="connsiteX3" fmla="*/ 655 w 4465956"/>
-                <a:gd name="connsiteY3" fmla="*/ 4569668 h 4569668"/>
-                <a:gd name="connsiteX4" fmla="*/ 654 w 4465956"/>
-                <a:gd name="connsiteY4" fmla="*/ 3548111 h 4569668"/>
-                <a:gd name="connsiteX5" fmla="*/ 3264555 w 4465956"/>
-                <a:gd name="connsiteY5" fmla="*/ 2293194 h 4569668"/>
-                <a:gd name="connsiteX6" fmla="*/ 503 w 4465956"/>
-                <a:gd name="connsiteY6" fmla="*/ 1027957 h 4569668"/>
-                <a:gd name="connsiteX7" fmla="*/ 377 w 4465956"/>
-                <a:gd name="connsiteY7" fmla="*/ 0 h 4569668"/>
-                <a:gd name="connsiteX0" fmla="*/ 377 w 4465956"/>
-                <a:gd name="connsiteY0" fmla="*/ 0 h 4569668"/>
-                <a:gd name="connsiteX1" fmla="*/ 4465497 w 4465956"/>
-                <a:gd name="connsiteY1" fmla="*/ 1816943 h 4569668"/>
-                <a:gd name="connsiteX2" fmla="*/ 4465499 w 4465956"/>
-                <a:gd name="connsiteY2" fmla="*/ 2759918 h 4569668"/>
-                <a:gd name="connsiteX3" fmla="*/ 655 w 4465956"/>
-                <a:gd name="connsiteY3" fmla="*/ 4569668 h 4569668"/>
-                <a:gd name="connsiteX4" fmla="*/ 654 w 4465956"/>
-                <a:gd name="connsiteY4" fmla="*/ 3548111 h 4569668"/>
-                <a:gd name="connsiteX5" fmla="*/ 3257411 w 4465956"/>
-                <a:gd name="connsiteY5" fmla="*/ 2293194 h 4569668"/>
-                <a:gd name="connsiteX6" fmla="*/ 503 w 4465956"/>
-                <a:gd name="connsiteY6" fmla="*/ 1027957 h 4569668"/>
-                <a:gd name="connsiteX7" fmla="*/ 377 w 4465956"/>
-                <a:gd name="connsiteY7" fmla="*/ 0 h 4569668"/>
-              </a:gdLst>
-              <a:ahLst/>
-              <a:cxnLst>
-                <a:cxn ang="0">
-                  <a:pos x="connsiteX0" y="connsiteY0"/>
-                </a:cxn>
-                <a:cxn ang="0">
-                  <a:pos x="connsiteX1" y="connsiteY1"/>
-                </a:cxn>
-                <a:cxn ang="0">
-                  <a:pos x="connsiteX2" y="connsiteY2"/>
-                </a:cxn>
-                <a:cxn ang="0">
-                  <a:pos x="connsiteX3" y="connsiteY3"/>
-                </a:cxn>
-                <a:cxn ang="0">
-                  <a:pos x="connsiteX4" y="connsiteY4"/>
-                </a:cxn>
-                <a:cxn ang="0">
-                  <a:pos x="connsiteX5" y="connsiteY5"/>
-                </a:cxn>
-                <a:cxn ang="0">
-                  <a:pos x="connsiteX6" y="connsiteY6"/>
-                </a:cxn>
-                <a:cxn ang="0">
-                  <a:pos x="connsiteX7" y="connsiteY7"/>
-                </a:cxn>
-              </a:cxnLst>
-              <a:rect l="l" t="t" r="r" b="b"/>
-              <a:pathLst>
-                <a:path w="4465956" h="4569668">
-                  <a:moveTo>
-                    <a:pt x="377" y="0"/>
-                  </a:moveTo>
-                  <a:lnTo>
-                    <a:pt x="4465497" y="1816943"/>
-                  </a:lnTo>
-                  <a:cubicBezTo>
-                    <a:pt x="4463910" y="2124918"/>
-                    <a:pt x="4467086" y="2451943"/>
-                    <a:pt x="4465499" y="2759918"/>
-                  </a:cubicBezTo>
-                  <a:lnTo>
-                    <a:pt x="655" y="4569668"/>
-                  </a:lnTo>
-                  <a:cubicBezTo>
-                    <a:pt x="-139" y="4230737"/>
-                    <a:pt x="1448" y="3887042"/>
-                    <a:pt x="654" y="3548111"/>
-                  </a:cubicBezTo>
-                  <a:lnTo>
-                    <a:pt x="3257411" y="2293194"/>
-                  </a:lnTo>
-                  <a:lnTo>
-                    <a:pt x="503" y="1027957"/>
-                  </a:lnTo>
-                  <a:cubicBezTo>
-                    <a:pt x="-1186" y="686909"/>
-                    <a:pt x="2066" y="341048"/>
-                    <a:pt x="377" y="0"/>
-                  </a:cubicBezTo>
-                  <a:close/>
-                </a:path>
-              </a:pathLst>
-            </a:custGeom>
-            <a:solidFill>
-              <a:srgbClr val="FF0000"/>
-            </a:solidFill>
-            <a:ln>
-              <a:noFill/>
-            </a:ln>
-          </p:spPr>
-          <p:style>
-            <a:lnRef idx="2">
-              <a:schemeClr val="accent1">
-                <a:shade val="50000"/>
-              </a:schemeClr>
-            </a:lnRef>
-            <a:fillRef idx="1">
-              <a:schemeClr val="accent1"/>
-            </a:fillRef>
-            <a:effectRef idx="0">
-              <a:schemeClr val="accent1"/>
-            </a:effectRef>
-            <a:fontRef idx="minor">
-              <a:schemeClr val="lt1"/>
-            </a:fontRef>
-          </p:style>
-          <p:txBody>
-            <a:bodyPr rtlCol="0" anchor="ctr"/>
-            <a:lstStyle/>
-            <a:p>
-              <a:pPr algn="ctr"/>
-              <a:endParaRPr lang="en-CA"/>
-            </a:p>
-          </p:txBody>
-        </p:sp>
-        <p:pic>
-          <p:nvPicPr>
-            <p:cNvPr id="15" name="Picture 14"/>
-            <p:cNvPicPr>
-              <a:picLocks noChangeAspect="1"/>
-            </p:cNvPicPr>
-            <p:nvPr/>
-          </p:nvPicPr>
-          <p:blipFill>
-            <a:blip r:embed="rId3" cstate="print">
-              <a:extLst>
-                <a:ext uri="{28A0092B-C50C-407E-A947-70E740481C1C}">
-                  <a14:useLocalDpi xmlns:a14="http://schemas.microsoft.com/office/drawing/2010/main" val="0"/>
-                </a:ext>
-              </a:extLst>
-            </a:blip>
-            <a:stretch>
-              <a:fillRect/>
-            </a:stretch>
-          </p:blipFill>
-          <p:spPr>
-            <a:xfrm>
-              <a:off x="5701703" y="1523009"/>
-              <a:ext cx="3074395" cy="252000"/>
-            </a:xfrm>
-            <a:prstGeom prst="rect">
-              <a:avLst/>
-            </a:prstGeom>
-          </p:spPr>
-        </p:pic>
-      </p:grpSp>
-      <p:grpSp>
-        <p:nvGrpSpPr>
-          <p:cNvPr id="16" name="Group 15"/>
-          <p:cNvGrpSpPr/>
-          <p:nvPr userDrawn="1"/>
-        </p:nvGrpSpPr>
-        <p:grpSpPr>
-          <a:xfrm>
-            <a:off x="460377" y="293779"/>
-            <a:ext cx="2183719" cy="635721"/>
-            <a:chOff x="448031" y="5788818"/>
-            <a:chExt cx="2183719" cy="635721"/>
-          </a:xfrm>
-        </p:grpSpPr>
-        <p:pic>
-          <p:nvPicPr>
-            <p:cNvPr id="17" name="Picture 16"/>
-            <p:cNvPicPr>
-              <a:picLocks noChangeAspect="1"/>
-            </p:cNvPicPr>
-            <p:nvPr/>
-          </p:nvPicPr>
-          <p:blipFill>
-            <a:blip r:embed="rId4" cstate="print">
-              <a:extLst>
-                <a:ext uri="{28A0092B-C50C-407E-A947-70E740481C1C}">
-                  <a14:useLocalDpi xmlns:a14="http://schemas.microsoft.com/office/drawing/2010/main" val="0"/>
-                </a:ext>
-              </a:extLst>
-            </a:blip>
-            <a:stretch>
-              <a:fillRect/>
-            </a:stretch>
-          </p:blipFill>
-          <p:spPr>
-            <a:xfrm>
-              <a:off x="448031" y="6039743"/>
-              <a:ext cx="2183719" cy="384796"/>
-            </a:xfrm>
-            <a:prstGeom prst="rect">
-              <a:avLst/>
-            </a:prstGeom>
-          </p:spPr>
-        </p:pic>
-        <p:sp>
-          <p:nvSpPr>
-            <p:cNvPr id="18" name="Freeform 17"/>
-            <p:cNvSpPr/>
-            <p:nvPr/>
-          </p:nvSpPr>
-          <p:spPr>
-            <a:xfrm>
-              <a:off x="1730496" y="5788818"/>
-              <a:ext cx="210221" cy="215102"/>
-            </a:xfrm>
-            <a:custGeom>
-              <a:avLst/>
-              <a:gdLst>
-                <a:gd name="connsiteX0" fmla="*/ 0 w 4457700"/>
-                <a:gd name="connsiteY0" fmla="*/ 0 h 4552950"/>
-                <a:gd name="connsiteX1" fmla="*/ 4457700 w 4457700"/>
-                <a:gd name="connsiteY1" fmla="*/ 1828800 h 4552950"/>
-                <a:gd name="connsiteX2" fmla="*/ 4457700 w 4457700"/>
-                <a:gd name="connsiteY2" fmla="*/ 2743200 h 4552950"/>
-                <a:gd name="connsiteX3" fmla="*/ 0 w 4457700"/>
-                <a:gd name="connsiteY3" fmla="*/ 4552950 h 4552950"/>
-                <a:gd name="connsiteX4" fmla="*/ 0 w 4457700"/>
-                <a:gd name="connsiteY4" fmla="*/ 3543300 h 4552950"/>
-                <a:gd name="connsiteX5" fmla="*/ 3282950 w 4457700"/>
-                <a:gd name="connsiteY5" fmla="*/ 2286000 h 4552950"/>
-                <a:gd name="connsiteX6" fmla="*/ 0 w 4457700"/>
-                <a:gd name="connsiteY6" fmla="*/ 1016000 h 4552950"/>
-                <a:gd name="connsiteX7" fmla="*/ 0 w 4457700"/>
-                <a:gd name="connsiteY7" fmla="*/ 0 h 4552950"/>
-                <a:gd name="connsiteX0" fmla="*/ 0 w 4457700"/>
-                <a:gd name="connsiteY0" fmla="*/ 0 h 4552950"/>
-                <a:gd name="connsiteX1" fmla="*/ 4457700 w 4457700"/>
-                <a:gd name="connsiteY1" fmla="*/ 1824037 h 4552950"/>
-                <a:gd name="connsiteX2" fmla="*/ 4457700 w 4457700"/>
-                <a:gd name="connsiteY2" fmla="*/ 2743200 h 4552950"/>
-                <a:gd name="connsiteX3" fmla="*/ 0 w 4457700"/>
-                <a:gd name="connsiteY3" fmla="*/ 4552950 h 4552950"/>
-                <a:gd name="connsiteX4" fmla="*/ 0 w 4457700"/>
-                <a:gd name="connsiteY4" fmla="*/ 3543300 h 4552950"/>
-                <a:gd name="connsiteX5" fmla="*/ 3282950 w 4457700"/>
-                <a:gd name="connsiteY5" fmla="*/ 2286000 h 4552950"/>
-                <a:gd name="connsiteX6" fmla="*/ 0 w 4457700"/>
-                <a:gd name="connsiteY6" fmla="*/ 1016000 h 4552950"/>
-                <a:gd name="connsiteX7" fmla="*/ 0 w 4457700"/>
-                <a:gd name="connsiteY7" fmla="*/ 0 h 4552950"/>
-                <a:gd name="connsiteX0" fmla="*/ 0 w 4457700"/>
-                <a:gd name="connsiteY0" fmla="*/ 0 h 4552950"/>
-                <a:gd name="connsiteX1" fmla="*/ 4457700 w 4457700"/>
-                <a:gd name="connsiteY1" fmla="*/ 1816893 h 4552950"/>
-                <a:gd name="connsiteX2" fmla="*/ 4457700 w 4457700"/>
-                <a:gd name="connsiteY2" fmla="*/ 2743200 h 4552950"/>
-                <a:gd name="connsiteX3" fmla="*/ 0 w 4457700"/>
-                <a:gd name="connsiteY3" fmla="*/ 4552950 h 4552950"/>
-                <a:gd name="connsiteX4" fmla="*/ 0 w 4457700"/>
-                <a:gd name="connsiteY4" fmla="*/ 3543300 h 4552950"/>
-                <a:gd name="connsiteX5" fmla="*/ 3282950 w 4457700"/>
-                <a:gd name="connsiteY5" fmla="*/ 2286000 h 4552950"/>
-                <a:gd name="connsiteX6" fmla="*/ 0 w 4457700"/>
-                <a:gd name="connsiteY6" fmla="*/ 1016000 h 4552950"/>
-                <a:gd name="connsiteX7" fmla="*/ 0 w 4457700"/>
-                <a:gd name="connsiteY7" fmla="*/ 0 h 4552950"/>
-                <a:gd name="connsiteX0" fmla="*/ 0 w 4462462"/>
-                <a:gd name="connsiteY0" fmla="*/ 0 h 4552950"/>
-                <a:gd name="connsiteX1" fmla="*/ 4462462 w 4462462"/>
-                <a:gd name="connsiteY1" fmla="*/ 1819275 h 4552950"/>
-                <a:gd name="connsiteX2" fmla="*/ 4457700 w 4462462"/>
-                <a:gd name="connsiteY2" fmla="*/ 2743200 h 4552950"/>
-                <a:gd name="connsiteX3" fmla="*/ 0 w 4462462"/>
-                <a:gd name="connsiteY3" fmla="*/ 4552950 h 4552950"/>
-                <a:gd name="connsiteX4" fmla="*/ 0 w 4462462"/>
-                <a:gd name="connsiteY4" fmla="*/ 3543300 h 4552950"/>
-                <a:gd name="connsiteX5" fmla="*/ 3282950 w 4462462"/>
-                <a:gd name="connsiteY5" fmla="*/ 2286000 h 4552950"/>
-                <a:gd name="connsiteX6" fmla="*/ 0 w 4462462"/>
-                <a:gd name="connsiteY6" fmla="*/ 1016000 h 4552950"/>
-                <a:gd name="connsiteX7" fmla="*/ 0 w 4462462"/>
-                <a:gd name="connsiteY7" fmla="*/ 0 h 4552950"/>
-                <a:gd name="connsiteX0" fmla="*/ 0 w 4462921"/>
-                <a:gd name="connsiteY0" fmla="*/ 0 h 4552950"/>
-                <a:gd name="connsiteX1" fmla="*/ 4462462 w 4462921"/>
-                <a:gd name="connsiteY1" fmla="*/ 1819275 h 4552950"/>
-                <a:gd name="connsiteX2" fmla="*/ 4462463 w 4462921"/>
-                <a:gd name="connsiteY2" fmla="*/ 2747962 h 4552950"/>
-                <a:gd name="connsiteX3" fmla="*/ 0 w 4462921"/>
-                <a:gd name="connsiteY3" fmla="*/ 4552950 h 4552950"/>
-                <a:gd name="connsiteX4" fmla="*/ 0 w 4462921"/>
-                <a:gd name="connsiteY4" fmla="*/ 3543300 h 4552950"/>
-                <a:gd name="connsiteX5" fmla="*/ 3282950 w 4462921"/>
-                <a:gd name="connsiteY5" fmla="*/ 2286000 h 4552950"/>
-                <a:gd name="connsiteX6" fmla="*/ 0 w 4462921"/>
-                <a:gd name="connsiteY6" fmla="*/ 1016000 h 4552950"/>
-                <a:gd name="connsiteX7" fmla="*/ 0 w 4462921"/>
-                <a:gd name="connsiteY7" fmla="*/ 0 h 4552950"/>
-                <a:gd name="connsiteX0" fmla="*/ 0 w 4462921"/>
-                <a:gd name="connsiteY0" fmla="*/ 0 h 4552950"/>
-                <a:gd name="connsiteX1" fmla="*/ 4462462 w 4462921"/>
-                <a:gd name="connsiteY1" fmla="*/ 1819275 h 4552950"/>
-                <a:gd name="connsiteX2" fmla="*/ 4462463 w 4462921"/>
-                <a:gd name="connsiteY2" fmla="*/ 2747962 h 4552950"/>
-                <a:gd name="connsiteX3" fmla="*/ 0 w 4462921"/>
-                <a:gd name="connsiteY3" fmla="*/ 4552950 h 4552950"/>
-                <a:gd name="connsiteX4" fmla="*/ 0 w 4462921"/>
-                <a:gd name="connsiteY4" fmla="*/ 3543300 h 4552950"/>
-                <a:gd name="connsiteX5" fmla="*/ 3282950 w 4462921"/>
-                <a:gd name="connsiteY5" fmla="*/ 2286000 h 4552950"/>
-                <a:gd name="connsiteX6" fmla="*/ 0 w 4462921"/>
-                <a:gd name="connsiteY6" fmla="*/ 1016000 h 4552950"/>
-                <a:gd name="connsiteX7" fmla="*/ 0 w 4462921"/>
-                <a:gd name="connsiteY7" fmla="*/ 0 h 4552950"/>
-                <a:gd name="connsiteX0" fmla="*/ 0 w 4462921"/>
-                <a:gd name="connsiteY0" fmla="*/ 0 h 4560094"/>
-                <a:gd name="connsiteX1" fmla="*/ 4462462 w 4462921"/>
-                <a:gd name="connsiteY1" fmla="*/ 1819275 h 4560094"/>
-                <a:gd name="connsiteX2" fmla="*/ 4462463 w 4462921"/>
-                <a:gd name="connsiteY2" fmla="*/ 2747962 h 4560094"/>
-                <a:gd name="connsiteX3" fmla="*/ 2381 w 4462921"/>
-                <a:gd name="connsiteY3" fmla="*/ 4560094 h 4560094"/>
-                <a:gd name="connsiteX4" fmla="*/ 0 w 4462921"/>
-                <a:gd name="connsiteY4" fmla="*/ 3543300 h 4560094"/>
-                <a:gd name="connsiteX5" fmla="*/ 3282950 w 4462921"/>
-                <a:gd name="connsiteY5" fmla="*/ 2286000 h 4560094"/>
-                <a:gd name="connsiteX6" fmla="*/ 0 w 4462921"/>
-                <a:gd name="connsiteY6" fmla="*/ 1016000 h 4560094"/>
-                <a:gd name="connsiteX7" fmla="*/ 0 w 4462921"/>
-                <a:gd name="connsiteY7" fmla="*/ 0 h 4560094"/>
-                <a:gd name="connsiteX0" fmla="*/ 0 w 4462921"/>
-                <a:gd name="connsiteY0" fmla="*/ 0 h 4560094"/>
-                <a:gd name="connsiteX1" fmla="*/ 4462462 w 4462921"/>
-                <a:gd name="connsiteY1" fmla="*/ 1819275 h 4560094"/>
-                <a:gd name="connsiteX2" fmla="*/ 4462463 w 4462921"/>
-                <a:gd name="connsiteY2" fmla="*/ 2747962 h 4560094"/>
-                <a:gd name="connsiteX3" fmla="*/ 2381 w 4462921"/>
-                <a:gd name="connsiteY3" fmla="*/ 4560094 h 4560094"/>
-                <a:gd name="connsiteX4" fmla="*/ 0 w 4462921"/>
-                <a:gd name="connsiteY4" fmla="*/ 3543300 h 4560094"/>
-                <a:gd name="connsiteX5" fmla="*/ 3275807 w 4462921"/>
-                <a:gd name="connsiteY5" fmla="*/ 2286000 h 4560094"/>
-                <a:gd name="connsiteX6" fmla="*/ 0 w 4462921"/>
-                <a:gd name="connsiteY6" fmla="*/ 1016000 h 4560094"/>
-                <a:gd name="connsiteX7" fmla="*/ 0 w 4462921"/>
-                <a:gd name="connsiteY7" fmla="*/ 0 h 4560094"/>
-                <a:gd name="connsiteX0" fmla="*/ 0 w 4462921"/>
-                <a:gd name="connsiteY0" fmla="*/ 0 h 4557713"/>
-                <a:gd name="connsiteX1" fmla="*/ 4462462 w 4462921"/>
-                <a:gd name="connsiteY1" fmla="*/ 1819275 h 4557713"/>
-                <a:gd name="connsiteX2" fmla="*/ 4462463 w 4462921"/>
-                <a:gd name="connsiteY2" fmla="*/ 2747962 h 4557713"/>
-                <a:gd name="connsiteX3" fmla="*/ 2381 w 4462921"/>
-                <a:gd name="connsiteY3" fmla="*/ 4557713 h 4557713"/>
-                <a:gd name="connsiteX4" fmla="*/ 0 w 4462921"/>
-                <a:gd name="connsiteY4" fmla="*/ 3543300 h 4557713"/>
-                <a:gd name="connsiteX5" fmla="*/ 3275807 w 4462921"/>
-                <a:gd name="connsiteY5" fmla="*/ 2286000 h 4557713"/>
-                <a:gd name="connsiteX6" fmla="*/ 0 w 4462921"/>
-                <a:gd name="connsiteY6" fmla="*/ 1016000 h 4557713"/>
-                <a:gd name="connsiteX7" fmla="*/ 0 w 4462921"/>
-                <a:gd name="connsiteY7" fmla="*/ 0 h 4557713"/>
-                <a:gd name="connsiteX0" fmla="*/ 0 w 4462921"/>
-                <a:gd name="connsiteY0" fmla="*/ 0 h 4562475"/>
-                <a:gd name="connsiteX1" fmla="*/ 4462462 w 4462921"/>
-                <a:gd name="connsiteY1" fmla="*/ 1819275 h 4562475"/>
-                <a:gd name="connsiteX2" fmla="*/ 4462463 w 4462921"/>
-                <a:gd name="connsiteY2" fmla="*/ 2747962 h 4562475"/>
-                <a:gd name="connsiteX3" fmla="*/ 2381 w 4462921"/>
-                <a:gd name="connsiteY3" fmla="*/ 4562475 h 4562475"/>
-                <a:gd name="connsiteX4" fmla="*/ 0 w 4462921"/>
-                <a:gd name="connsiteY4" fmla="*/ 3543300 h 4562475"/>
-                <a:gd name="connsiteX5" fmla="*/ 3275807 w 4462921"/>
-                <a:gd name="connsiteY5" fmla="*/ 2286000 h 4562475"/>
-                <a:gd name="connsiteX6" fmla="*/ 0 w 4462921"/>
-                <a:gd name="connsiteY6" fmla="*/ 1016000 h 4562475"/>
-                <a:gd name="connsiteX7" fmla="*/ 0 w 4462921"/>
-                <a:gd name="connsiteY7" fmla="*/ 0 h 4562475"/>
-                <a:gd name="connsiteX0" fmla="*/ 2486 w 4465407"/>
-                <a:gd name="connsiteY0" fmla="*/ 0 h 4564856"/>
-                <a:gd name="connsiteX1" fmla="*/ 4464948 w 4465407"/>
-                <a:gd name="connsiteY1" fmla="*/ 1819275 h 4564856"/>
-                <a:gd name="connsiteX2" fmla="*/ 4464949 w 4465407"/>
-                <a:gd name="connsiteY2" fmla="*/ 2747962 h 4564856"/>
-                <a:gd name="connsiteX3" fmla="*/ 105 w 4465407"/>
-                <a:gd name="connsiteY3" fmla="*/ 4564856 h 4564856"/>
-                <a:gd name="connsiteX4" fmla="*/ 2486 w 4465407"/>
-                <a:gd name="connsiteY4" fmla="*/ 3543300 h 4564856"/>
-                <a:gd name="connsiteX5" fmla="*/ 3278293 w 4465407"/>
-                <a:gd name="connsiteY5" fmla="*/ 2286000 h 4564856"/>
-                <a:gd name="connsiteX6" fmla="*/ 2486 w 4465407"/>
-                <a:gd name="connsiteY6" fmla="*/ 1016000 h 4564856"/>
-                <a:gd name="connsiteX7" fmla="*/ 2486 w 4465407"/>
-                <a:gd name="connsiteY7" fmla="*/ 0 h 4564856"/>
-                <a:gd name="connsiteX0" fmla="*/ 2610 w 4465531"/>
-                <a:gd name="connsiteY0" fmla="*/ 0 h 4564856"/>
-                <a:gd name="connsiteX1" fmla="*/ 4465072 w 4465531"/>
-                <a:gd name="connsiteY1" fmla="*/ 1819275 h 4564856"/>
-                <a:gd name="connsiteX2" fmla="*/ 4465073 w 4465531"/>
-                <a:gd name="connsiteY2" fmla="*/ 2747962 h 4564856"/>
-                <a:gd name="connsiteX3" fmla="*/ 229 w 4465531"/>
-                <a:gd name="connsiteY3" fmla="*/ 4564856 h 4564856"/>
-                <a:gd name="connsiteX4" fmla="*/ 228 w 4465531"/>
-                <a:gd name="connsiteY4" fmla="*/ 3545681 h 4564856"/>
-                <a:gd name="connsiteX5" fmla="*/ 3278417 w 4465531"/>
-                <a:gd name="connsiteY5" fmla="*/ 2286000 h 4564856"/>
-                <a:gd name="connsiteX6" fmla="*/ 2610 w 4465531"/>
-                <a:gd name="connsiteY6" fmla="*/ 1016000 h 4564856"/>
-                <a:gd name="connsiteX7" fmla="*/ 2610 w 4465531"/>
-                <a:gd name="connsiteY7" fmla="*/ 0 h 4564856"/>
-                <a:gd name="connsiteX0" fmla="*/ 2610 w 4465531"/>
-                <a:gd name="connsiteY0" fmla="*/ 0 h 4564856"/>
-                <a:gd name="connsiteX1" fmla="*/ 4465072 w 4465531"/>
-                <a:gd name="connsiteY1" fmla="*/ 1819275 h 4564856"/>
-                <a:gd name="connsiteX2" fmla="*/ 4465073 w 4465531"/>
-                <a:gd name="connsiteY2" fmla="*/ 2750343 h 4564856"/>
-                <a:gd name="connsiteX3" fmla="*/ 229 w 4465531"/>
-                <a:gd name="connsiteY3" fmla="*/ 4564856 h 4564856"/>
-                <a:gd name="connsiteX4" fmla="*/ 228 w 4465531"/>
-                <a:gd name="connsiteY4" fmla="*/ 3545681 h 4564856"/>
-                <a:gd name="connsiteX5" fmla="*/ 3278417 w 4465531"/>
-                <a:gd name="connsiteY5" fmla="*/ 2286000 h 4564856"/>
-                <a:gd name="connsiteX6" fmla="*/ 2610 w 4465531"/>
-                <a:gd name="connsiteY6" fmla="*/ 1016000 h 4564856"/>
-                <a:gd name="connsiteX7" fmla="*/ 2610 w 4465531"/>
-                <a:gd name="connsiteY7" fmla="*/ 0 h 4564856"/>
-                <a:gd name="connsiteX0" fmla="*/ 2610 w 4465531"/>
-                <a:gd name="connsiteY0" fmla="*/ 0 h 4564856"/>
-                <a:gd name="connsiteX1" fmla="*/ 4465072 w 4465531"/>
-                <a:gd name="connsiteY1" fmla="*/ 1819275 h 4564856"/>
-                <a:gd name="connsiteX2" fmla="*/ 4465073 w 4465531"/>
-                <a:gd name="connsiteY2" fmla="*/ 2755106 h 4564856"/>
-                <a:gd name="connsiteX3" fmla="*/ 229 w 4465531"/>
-                <a:gd name="connsiteY3" fmla="*/ 4564856 h 4564856"/>
-                <a:gd name="connsiteX4" fmla="*/ 228 w 4465531"/>
-                <a:gd name="connsiteY4" fmla="*/ 3545681 h 4564856"/>
-                <a:gd name="connsiteX5" fmla="*/ 3278417 w 4465531"/>
-                <a:gd name="connsiteY5" fmla="*/ 2286000 h 4564856"/>
-                <a:gd name="connsiteX6" fmla="*/ 2610 w 4465531"/>
-                <a:gd name="connsiteY6" fmla="*/ 1016000 h 4564856"/>
-                <a:gd name="connsiteX7" fmla="*/ 2610 w 4465531"/>
-                <a:gd name="connsiteY7" fmla="*/ 0 h 4564856"/>
-                <a:gd name="connsiteX0" fmla="*/ 2610 w 4467453"/>
-                <a:gd name="connsiteY0" fmla="*/ 0 h 4564856"/>
-                <a:gd name="connsiteX1" fmla="*/ 4467453 w 4467453"/>
-                <a:gd name="connsiteY1" fmla="*/ 1816894 h 4564856"/>
-                <a:gd name="connsiteX2" fmla="*/ 4465073 w 4467453"/>
-                <a:gd name="connsiteY2" fmla="*/ 2755106 h 4564856"/>
-                <a:gd name="connsiteX3" fmla="*/ 229 w 4467453"/>
-                <a:gd name="connsiteY3" fmla="*/ 4564856 h 4564856"/>
-                <a:gd name="connsiteX4" fmla="*/ 228 w 4467453"/>
-                <a:gd name="connsiteY4" fmla="*/ 3545681 h 4564856"/>
-                <a:gd name="connsiteX5" fmla="*/ 3278417 w 4467453"/>
-                <a:gd name="connsiteY5" fmla="*/ 2286000 h 4564856"/>
-                <a:gd name="connsiteX6" fmla="*/ 2610 w 4467453"/>
-                <a:gd name="connsiteY6" fmla="*/ 1016000 h 4564856"/>
-                <a:gd name="connsiteX7" fmla="*/ 2610 w 4467453"/>
-                <a:gd name="connsiteY7" fmla="*/ 0 h 4564856"/>
-                <a:gd name="connsiteX0" fmla="*/ 2610 w 4467453"/>
-                <a:gd name="connsiteY0" fmla="*/ 0 h 4564856"/>
-                <a:gd name="connsiteX1" fmla="*/ 4467453 w 4467453"/>
-                <a:gd name="connsiteY1" fmla="*/ 1816894 h 4564856"/>
-                <a:gd name="connsiteX2" fmla="*/ 4465073 w 4467453"/>
-                <a:gd name="connsiteY2" fmla="*/ 2755106 h 4564856"/>
-                <a:gd name="connsiteX3" fmla="*/ 229 w 4467453"/>
-                <a:gd name="connsiteY3" fmla="*/ 4564856 h 4564856"/>
-                <a:gd name="connsiteX4" fmla="*/ 228 w 4467453"/>
-                <a:gd name="connsiteY4" fmla="*/ 3545681 h 4564856"/>
-                <a:gd name="connsiteX5" fmla="*/ 3278417 w 4467453"/>
-                <a:gd name="connsiteY5" fmla="*/ 2286000 h 4564856"/>
-                <a:gd name="connsiteX6" fmla="*/ 2610 w 4467453"/>
-                <a:gd name="connsiteY6" fmla="*/ 1020763 h 4564856"/>
-                <a:gd name="connsiteX7" fmla="*/ 2610 w 4467453"/>
-                <a:gd name="connsiteY7" fmla="*/ 0 h 4564856"/>
-                <a:gd name="connsiteX0" fmla="*/ 2610 w 4467453"/>
-                <a:gd name="connsiteY0" fmla="*/ 0 h 4564856"/>
-                <a:gd name="connsiteX1" fmla="*/ 4467453 w 4467453"/>
-                <a:gd name="connsiteY1" fmla="*/ 1816894 h 4564856"/>
-                <a:gd name="connsiteX2" fmla="*/ 4465073 w 4467453"/>
-                <a:gd name="connsiteY2" fmla="*/ 2755106 h 4564856"/>
-                <a:gd name="connsiteX3" fmla="*/ 229 w 4467453"/>
-                <a:gd name="connsiteY3" fmla="*/ 4564856 h 4564856"/>
-                <a:gd name="connsiteX4" fmla="*/ 228 w 4467453"/>
-                <a:gd name="connsiteY4" fmla="*/ 3545681 h 4564856"/>
-                <a:gd name="connsiteX5" fmla="*/ 3271273 w 4467453"/>
-                <a:gd name="connsiteY5" fmla="*/ 2288382 h 4564856"/>
-                <a:gd name="connsiteX6" fmla="*/ 2610 w 4467453"/>
-                <a:gd name="connsiteY6" fmla="*/ 1020763 h 4564856"/>
-                <a:gd name="connsiteX7" fmla="*/ 2610 w 4467453"/>
-                <a:gd name="connsiteY7" fmla="*/ 0 h 4564856"/>
-                <a:gd name="connsiteX0" fmla="*/ 2610 w 4467453"/>
-                <a:gd name="connsiteY0" fmla="*/ 0 h 4564856"/>
-                <a:gd name="connsiteX1" fmla="*/ 4467453 w 4467453"/>
-                <a:gd name="connsiteY1" fmla="*/ 1816894 h 4564856"/>
-                <a:gd name="connsiteX2" fmla="*/ 4465073 w 4467453"/>
-                <a:gd name="connsiteY2" fmla="*/ 2755106 h 4564856"/>
-                <a:gd name="connsiteX3" fmla="*/ 229 w 4467453"/>
-                <a:gd name="connsiteY3" fmla="*/ 4564856 h 4564856"/>
-                <a:gd name="connsiteX4" fmla="*/ 228 w 4467453"/>
-                <a:gd name="connsiteY4" fmla="*/ 3545681 h 4564856"/>
-                <a:gd name="connsiteX5" fmla="*/ 3271273 w 4467453"/>
-                <a:gd name="connsiteY5" fmla="*/ 2288382 h 4564856"/>
-                <a:gd name="connsiteX6" fmla="*/ 2610 w 4467453"/>
-                <a:gd name="connsiteY6" fmla="*/ 1020763 h 4564856"/>
-                <a:gd name="connsiteX7" fmla="*/ 2610 w 4467453"/>
-                <a:gd name="connsiteY7" fmla="*/ 0 h 4564856"/>
-                <a:gd name="connsiteX0" fmla="*/ 2610 w 4465530"/>
-                <a:gd name="connsiteY0" fmla="*/ 0 h 4564856"/>
-                <a:gd name="connsiteX1" fmla="*/ 4465071 w 4465530"/>
-                <a:gd name="connsiteY1" fmla="*/ 1819275 h 4564856"/>
-                <a:gd name="connsiteX2" fmla="*/ 4465073 w 4465530"/>
-                <a:gd name="connsiteY2" fmla="*/ 2755106 h 4564856"/>
-                <a:gd name="connsiteX3" fmla="*/ 229 w 4465530"/>
-                <a:gd name="connsiteY3" fmla="*/ 4564856 h 4564856"/>
-                <a:gd name="connsiteX4" fmla="*/ 228 w 4465530"/>
-                <a:gd name="connsiteY4" fmla="*/ 3545681 h 4564856"/>
-                <a:gd name="connsiteX5" fmla="*/ 3271273 w 4465530"/>
-                <a:gd name="connsiteY5" fmla="*/ 2288382 h 4564856"/>
-                <a:gd name="connsiteX6" fmla="*/ 2610 w 4465530"/>
-                <a:gd name="connsiteY6" fmla="*/ 1020763 h 4564856"/>
-                <a:gd name="connsiteX7" fmla="*/ 2610 w 4465530"/>
-                <a:gd name="connsiteY7" fmla="*/ 0 h 4564856"/>
-                <a:gd name="connsiteX0" fmla="*/ 2610 w 4465530"/>
-                <a:gd name="connsiteY0" fmla="*/ 0 h 4564856"/>
-                <a:gd name="connsiteX1" fmla="*/ 4465071 w 4465530"/>
-                <a:gd name="connsiteY1" fmla="*/ 1812131 h 4564856"/>
-                <a:gd name="connsiteX2" fmla="*/ 4465073 w 4465530"/>
-                <a:gd name="connsiteY2" fmla="*/ 2755106 h 4564856"/>
-                <a:gd name="connsiteX3" fmla="*/ 229 w 4465530"/>
-                <a:gd name="connsiteY3" fmla="*/ 4564856 h 4564856"/>
-                <a:gd name="connsiteX4" fmla="*/ 228 w 4465530"/>
-                <a:gd name="connsiteY4" fmla="*/ 3545681 h 4564856"/>
-                <a:gd name="connsiteX5" fmla="*/ 3271273 w 4465530"/>
-                <a:gd name="connsiteY5" fmla="*/ 2288382 h 4564856"/>
-                <a:gd name="connsiteX6" fmla="*/ 2610 w 4465530"/>
-                <a:gd name="connsiteY6" fmla="*/ 1020763 h 4564856"/>
-                <a:gd name="connsiteX7" fmla="*/ 2610 w 4465530"/>
-                <a:gd name="connsiteY7" fmla="*/ 0 h 4564856"/>
-                <a:gd name="connsiteX0" fmla="*/ 2610 w 4465530"/>
-                <a:gd name="connsiteY0" fmla="*/ 0 h 4564856"/>
-                <a:gd name="connsiteX1" fmla="*/ 4465071 w 4465530"/>
-                <a:gd name="connsiteY1" fmla="*/ 1812131 h 4564856"/>
-                <a:gd name="connsiteX2" fmla="*/ 4465073 w 4465530"/>
-                <a:gd name="connsiteY2" fmla="*/ 2755106 h 4564856"/>
-                <a:gd name="connsiteX3" fmla="*/ 229 w 4465530"/>
-                <a:gd name="connsiteY3" fmla="*/ 4564856 h 4564856"/>
-                <a:gd name="connsiteX4" fmla="*/ 228 w 4465530"/>
-                <a:gd name="connsiteY4" fmla="*/ 3545681 h 4564856"/>
-                <a:gd name="connsiteX5" fmla="*/ 3271273 w 4465530"/>
-                <a:gd name="connsiteY5" fmla="*/ 2288382 h 4564856"/>
-                <a:gd name="connsiteX6" fmla="*/ 2610 w 4465530"/>
-                <a:gd name="connsiteY6" fmla="*/ 1023145 h 4564856"/>
-                <a:gd name="connsiteX7" fmla="*/ 2610 w 4465530"/>
-                <a:gd name="connsiteY7" fmla="*/ 0 h 4564856"/>
-                <a:gd name="connsiteX0" fmla="*/ 2610 w 4465530"/>
-                <a:gd name="connsiteY0" fmla="*/ 0 h 4564856"/>
-                <a:gd name="connsiteX1" fmla="*/ 4465071 w 4465530"/>
-                <a:gd name="connsiteY1" fmla="*/ 1812131 h 4564856"/>
-                <a:gd name="connsiteX2" fmla="*/ 4465073 w 4465530"/>
-                <a:gd name="connsiteY2" fmla="*/ 2755106 h 4564856"/>
-                <a:gd name="connsiteX3" fmla="*/ 229 w 4465530"/>
-                <a:gd name="connsiteY3" fmla="*/ 4564856 h 4564856"/>
-                <a:gd name="connsiteX4" fmla="*/ 228 w 4465530"/>
-                <a:gd name="connsiteY4" fmla="*/ 3545681 h 4564856"/>
-                <a:gd name="connsiteX5" fmla="*/ 3264129 w 4465530"/>
-                <a:gd name="connsiteY5" fmla="*/ 2288382 h 4564856"/>
-                <a:gd name="connsiteX6" fmla="*/ 2610 w 4465530"/>
-                <a:gd name="connsiteY6" fmla="*/ 1023145 h 4564856"/>
-                <a:gd name="connsiteX7" fmla="*/ 2610 w 4465530"/>
-                <a:gd name="connsiteY7" fmla="*/ 0 h 4564856"/>
-                <a:gd name="connsiteX0" fmla="*/ 0 w 4467986"/>
-                <a:gd name="connsiteY0" fmla="*/ 0 h 4564856"/>
-                <a:gd name="connsiteX1" fmla="*/ 4467527 w 4467986"/>
-                <a:gd name="connsiteY1" fmla="*/ 1812131 h 4564856"/>
-                <a:gd name="connsiteX2" fmla="*/ 4467529 w 4467986"/>
-                <a:gd name="connsiteY2" fmla="*/ 2755106 h 4564856"/>
-                <a:gd name="connsiteX3" fmla="*/ 2685 w 4467986"/>
-                <a:gd name="connsiteY3" fmla="*/ 4564856 h 4564856"/>
-                <a:gd name="connsiteX4" fmla="*/ 2684 w 4467986"/>
-                <a:gd name="connsiteY4" fmla="*/ 3545681 h 4564856"/>
-                <a:gd name="connsiteX5" fmla="*/ 3266585 w 4467986"/>
-                <a:gd name="connsiteY5" fmla="*/ 2288382 h 4564856"/>
-                <a:gd name="connsiteX6" fmla="*/ 5066 w 4467986"/>
-                <a:gd name="connsiteY6" fmla="*/ 1023145 h 4564856"/>
-                <a:gd name="connsiteX7" fmla="*/ 0 w 4467986"/>
-                <a:gd name="connsiteY7" fmla="*/ 0 h 4564856"/>
-                <a:gd name="connsiteX0" fmla="*/ 0 w 4467986"/>
-                <a:gd name="connsiteY0" fmla="*/ 0 h 4564856"/>
-                <a:gd name="connsiteX1" fmla="*/ 4467527 w 4467986"/>
-                <a:gd name="connsiteY1" fmla="*/ 1812131 h 4564856"/>
-                <a:gd name="connsiteX2" fmla="*/ 4467529 w 4467986"/>
-                <a:gd name="connsiteY2" fmla="*/ 2755106 h 4564856"/>
-                <a:gd name="connsiteX3" fmla="*/ 2685 w 4467986"/>
-                <a:gd name="connsiteY3" fmla="*/ 4564856 h 4564856"/>
-                <a:gd name="connsiteX4" fmla="*/ 2684 w 4467986"/>
-                <a:gd name="connsiteY4" fmla="*/ 3545681 h 4564856"/>
-                <a:gd name="connsiteX5" fmla="*/ 3266585 w 4467986"/>
-                <a:gd name="connsiteY5" fmla="*/ 2288382 h 4564856"/>
-                <a:gd name="connsiteX6" fmla="*/ 2533 w 4467986"/>
-                <a:gd name="connsiteY6" fmla="*/ 1018079 h 4564856"/>
-                <a:gd name="connsiteX7" fmla="*/ 0 w 4467986"/>
-                <a:gd name="connsiteY7" fmla="*/ 0 h 4564856"/>
-                <a:gd name="connsiteX0" fmla="*/ 0 w 4467986"/>
-                <a:gd name="connsiteY0" fmla="*/ 0 h 4564856"/>
-                <a:gd name="connsiteX1" fmla="*/ 4467527 w 4467986"/>
-                <a:gd name="connsiteY1" fmla="*/ 1812131 h 4564856"/>
-                <a:gd name="connsiteX2" fmla="*/ 4467529 w 4467986"/>
-                <a:gd name="connsiteY2" fmla="*/ 2755106 h 4564856"/>
-                <a:gd name="connsiteX3" fmla="*/ 2685 w 4467986"/>
-                <a:gd name="connsiteY3" fmla="*/ 4564856 h 4564856"/>
-                <a:gd name="connsiteX4" fmla="*/ 2684 w 4467986"/>
-                <a:gd name="connsiteY4" fmla="*/ 3545681 h 4564856"/>
-                <a:gd name="connsiteX5" fmla="*/ 3266585 w 4467986"/>
-                <a:gd name="connsiteY5" fmla="*/ 2288382 h 4564856"/>
-                <a:gd name="connsiteX6" fmla="*/ 2533 w 4467986"/>
-                <a:gd name="connsiteY6" fmla="*/ 1023145 h 4564856"/>
-                <a:gd name="connsiteX7" fmla="*/ 0 w 4467986"/>
-                <a:gd name="connsiteY7" fmla="*/ 0 h 4564856"/>
-                <a:gd name="connsiteX0" fmla="*/ 0 w 4467986"/>
-                <a:gd name="connsiteY0" fmla="*/ 0 h 4567262"/>
-                <a:gd name="connsiteX1" fmla="*/ 4467527 w 4467986"/>
-                <a:gd name="connsiteY1" fmla="*/ 1814537 h 4567262"/>
-                <a:gd name="connsiteX2" fmla="*/ 4467529 w 4467986"/>
-                <a:gd name="connsiteY2" fmla="*/ 2757512 h 4567262"/>
-                <a:gd name="connsiteX3" fmla="*/ 2685 w 4467986"/>
-                <a:gd name="connsiteY3" fmla="*/ 4567262 h 4567262"/>
-                <a:gd name="connsiteX4" fmla="*/ 2684 w 4467986"/>
-                <a:gd name="connsiteY4" fmla="*/ 3548087 h 4567262"/>
-                <a:gd name="connsiteX5" fmla="*/ 3266585 w 4467986"/>
-                <a:gd name="connsiteY5" fmla="*/ 2290788 h 4567262"/>
-                <a:gd name="connsiteX6" fmla="*/ 2533 w 4467986"/>
-                <a:gd name="connsiteY6" fmla="*/ 1025551 h 4567262"/>
-                <a:gd name="connsiteX7" fmla="*/ 0 w 4467986"/>
-                <a:gd name="connsiteY7" fmla="*/ 0 h 4567262"/>
-                <a:gd name="connsiteX0" fmla="*/ 377 w 4465956"/>
-                <a:gd name="connsiteY0" fmla="*/ 0 h 4569668"/>
-                <a:gd name="connsiteX1" fmla="*/ 4465497 w 4465956"/>
-                <a:gd name="connsiteY1" fmla="*/ 1816943 h 4569668"/>
-                <a:gd name="connsiteX2" fmla="*/ 4465499 w 4465956"/>
-                <a:gd name="connsiteY2" fmla="*/ 2759918 h 4569668"/>
-                <a:gd name="connsiteX3" fmla="*/ 655 w 4465956"/>
-                <a:gd name="connsiteY3" fmla="*/ 4569668 h 4569668"/>
-                <a:gd name="connsiteX4" fmla="*/ 654 w 4465956"/>
-                <a:gd name="connsiteY4" fmla="*/ 3550493 h 4569668"/>
-                <a:gd name="connsiteX5" fmla="*/ 3264555 w 4465956"/>
-                <a:gd name="connsiteY5" fmla="*/ 2293194 h 4569668"/>
-                <a:gd name="connsiteX6" fmla="*/ 503 w 4465956"/>
-                <a:gd name="connsiteY6" fmla="*/ 1027957 h 4569668"/>
-                <a:gd name="connsiteX7" fmla="*/ 377 w 4465956"/>
-                <a:gd name="connsiteY7" fmla="*/ 0 h 4569668"/>
-                <a:gd name="connsiteX0" fmla="*/ 377 w 4465956"/>
-                <a:gd name="connsiteY0" fmla="*/ 0 h 4569668"/>
-                <a:gd name="connsiteX1" fmla="*/ 4465497 w 4465956"/>
-                <a:gd name="connsiteY1" fmla="*/ 1816943 h 4569668"/>
-                <a:gd name="connsiteX2" fmla="*/ 4465499 w 4465956"/>
-                <a:gd name="connsiteY2" fmla="*/ 2759918 h 4569668"/>
-                <a:gd name="connsiteX3" fmla="*/ 655 w 4465956"/>
-                <a:gd name="connsiteY3" fmla="*/ 4569668 h 4569668"/>
-                <a:gd name="connsiteX4" fmla="*/ 654 w 4465956"/>
-                <a:gd name="connsiteY4" fmla="*/ 3548111 h 4569668"/>
-                <a:gd name="connsiteX5" fmla="*/ 3264555 w 4465956"/>
-                <a:gd name="connsiteY5" fmla="*/ 2293194 h 4569668"/>
-                <a:gd name="connsiteX6" fmla="*/ 503 w 4465956"/>
-                <a:gd name="connsiteY6" fmla="*/ 1027957 h 4569668"/>
-                <a:gd name="connsiteX7" fmla="*/ 377 w 4465956"/>
-                <a:gd name="connsiteY7" fmla="*/ 0 h 4569668"/>
-                <a:gd name="connsiteX0" fmla="*/ 377 w 4465956"/>
-                <a:gd name="connsiteY0" fmla="*/ 0 h 4569668"/>
-                <a:gd name="connsiteX1" fmla="*/ 4465497 w 4465956"/>
-                <a:gd name="connsiteY1" fmla="*/ 1816943 h 4569668"/>
-                <a:gd name="connsiteX2" fmla="*/ 4465499 w 4465956"/>
-                <a:gd name="connsiteY2" fmla="*/ 2759918 h 4569668"/>
-                <a:gd name="connsiteX3" fmla="*/ 655 w 4465956"/>
-                <a:gd name="connsiteY3" fmla="*/ 4569668 h 4569668"/>
-                <a:gd name="connsiteX4" fmla="*/ 654 w 4465956"/>
-                <a:gd name="connsiteY4" fmla="*/ 3548111 h 4569668"/>
-                <a:gd name="connsiteX5" fmla="*/ 3257411 w 4465956"/>
-                <a:gd name="connsiteY5" fmla="*/ 2293194 h 4569668"/>
-                <a:gd name="connsiteX6" fmla="*/ 503 w 4465956"/>
-                <a:gd name="connsiteY6" fmla="*/ 1027957 h 4569668"/>
-                <a:gd name="connsiteX7" fmla="*/ 377 w 4465956"/>
-                <a:gd name="connsiteY7" fmla="*/ 0 h 4569668"/>
-              </a:gdLst>
-              <a:ahLst/>
-              <a:cxnLst>
-                <a:cxn ang="0">
-                  <a:pos x="connsiteX0" y="connsiteY0"/>
-                </a:cxn>
-                <a:cxn ang="0">
-                  <a:pos x="connsiteX1" y="connsiteY1"/>
-                </a:cxn>
-                <a:cxn ang="0">
-                  <a:pos x="connsiteX2" y="connsiteY2"/>
-                </a:cxn>
-                <a:cxn ang="0">
-                  <a:pos x="connsiteX3" y="connsiteY3"/>
-                </a:cxn>
-                <a:cxn ang="0">
-                  <a:pos x="connsiteX4" y="connsiteY4"/>
-                </a:cxn>
-                <a:cxn ang="0">
-                  <a:pos x="connsiteX5" y="connsiteY5"/>
-                </a:cxn>
-                <a:cxn ang="0">
-                  <a:pos x="connsiteX6" y="connsiteY6"/>
-                </a:cxn>
-                <a:cxn ang="0">
-                  <a:pos x="connsiteX7" y="connsiteY7"/>
-                </a:cxn>
-              </a:cxnLst>
-              <a:rect l="l" t="t" r="r" b="b"/>
-              <a:pathLst>
-                <a:path w="4465956" h="4569668">
-                  <a:moveTo>
-                    <a:pt x="377" y="0"/>
-                  </a:moveTo>
-                  <a:lnTo>
-                    <a:pt x="4465497" y="1816943"/>
-                  </a:lnTo>
-                  <a:cubicBezTo>
-                    <a:pt x="4463910" y="2124918"/>
-                    <a:pt x="4467086" y="2451943"/>
-                    <a:pt x="4465499" y="2759918"/>
-                  </a:cubicBezTo>
-                  <a:lnTo>
-                    <a:pt x="655" y="4569668"/>
-                  </a:lnTo>
-                  <a:cubicBezTo>
-                    <a:pt x="-139" y="4230737"/>
-                    <a:pt x="1448" y="3887042"/>
-                    <a:pt x="654" y="3548111"/>
-                  </a:cubicBezTo>
-                  <a:lnTo>
-                    <a:pt x="3257411" y="2293194"/>
-                  </a:lnTo>
-                  <a:lnTo>
-                    <a:pt x="503" y="1027957"/>
-                  </a:lnTo>
-                  <a:cubicBezTo>
-                    <a:pt x="-1186" y="686909"/>
-                    <a:pt x="2066" y="341048"/>
-                    <a:pt x="377" y="0"/>
-                  </a:cubicBezTo>
-                  <a:close/>
-                </a:path>
-              </a:pathLst>
-            </a:custGeom>
-            <a:solidFill>
-              <a:srgbClr val="FF0000"/>
-            </a:solidFill>
-            <a:ln>
-              <a:noFill/>
-            </a:ln>
-          </p:spPr>
-          <p:style>
-            <a:lnRef idx="2">
-              <a:schemeClr val="accent1">
-                <a:shade val="50000"/>
-              </a:schemeClr>
-            </a:lnRef>
-            <a:fillRef idx="1">
-              <a:schemeClr val="accent1"/>
-            </a:fillRef>
-            <a:effectRef idx="0">
-              <a:schemeClr val="accent1"/>
-            </a:effectRef>
-            <a:fontRef idx="minor">
-              <a:schemeClr val="lt1"/>
-            </a:fontRef>
-          </p:style>
-          <p:txBody>
-            <a:bodyPr rtlCol="0" anchor="ctr"/>
-            <a:lstStyle/>
-            <a:p>
-              <a:pPr algn="ctr"/>
-              <a:endParaRPr lang="en-CA">
-                <a:solidFill>
-                  <a:srgbClr val="002266"/>
-                </a:solidFill>
-              </a:endParaRPr>
-            </a:p>
-          </p:txBody>
-        </p:sp>
-      </p:grpSp>
       <p:sp>
         <p:nvSpPr>
           <p:cNvPr id="33" name="Title 1"/>
@@ -6759,7 +5486,7 @@
           <p:nvPr userDrawn="1"/>
         </p:nvPicPr>
         <p:blipFill>
-          <a:blip r:embed="rId5" cstate="print">
+          <a:blip r:embed="rId2" cstate="print">
             <a:extLst>
               <a:ext uri="{28A0092B-C50C-407E-A947-70E740481C1C}">
                 <a14:useLocalDpi xmlns:a14="http://schemas.microsoft.com/office/drawing/2010/main" val="0"/>
@@ -6794,7 +5521,7 @@
 </file>
 
 <file path=ppt/slideLayouts/slideLayout2.xml><?xml version="1.0" encoding="utf-8"?>
-<p:sldLayout xmlns:a="http://schemas.openxmlformats.org/drawingml/2006/main" xmlns:r="http://schemas.openxmlformats.org/officeDocument/2006/relationships" xmlns:p="http://schemas.openxmlformats.org/presentationml/2006/main" preserve="1" userDrawn="1">
+<p:sldLayout xmlns:a="http://schemas.openxmlformats.org/drawingml/2006/main" xmlns:r="http://schemas.openxmlformats.org/officeDocument/2006/relationships" xmlns:p="http://schemas.openxmlformats.org/presentationml/2006/main" showMasterSp="0" preserve="1" userDrawn="1">
   <p:cSld name="Title and Content">
     <p:spTree>
       <p:nvGrpSpPr>
@@ -6920,7 +5647,7 @@
 </file>
 
 <file path=ppt/slideLayouts/slideLayout3.xml><?xml version="1.0" encoding="utf-8"?>
-<p:sldLayout xmlns:a="http://schemas.openxmlformats.org/drawingml/2006/main" xmlns:r="http://schemas.openxmlformats.org/officeDocument/2006/relationships" xmlns:p="http://schemas.openxmlformats.org/presentationml/2006/main" preserve="1" userDrawn="1">
+<p:sldLayout xmlns:a="http://schemas.openxmlformats.org/drawingml/2006/main" xmlns:r="http://schemas.openxmlformats.org/officeDocument/2006/relationships" xmlns:p="http://schemas.openxmlformats.org/presentationml/2006/main" showMasterSp="0" preserve="1" userDrawn="1">
   <p:cSld name="Title and Content 2">
     <p:spTree>
       <p:nvGrpSpPr>
@@ -7038,7 +5765,7 @@
 </file>
 
 <file path=ppt/slideLayouts/slideLayout4.xml><?xml version="1.0" encoding="utf-8"?>
-<p:sldLayout xmlns:a="http://schemas.openxmlformats.org/drawingml/2006/main" xmlns:r="http://schemas.openxmlformats.org/officeDocument/2006/relationships" xmlns:p="http://schemas.openxmlformats.org/presentationml/2006/main" preserve="1" userDrawn="1">
+<p:sldLayout xmlns:a="http://schemas.openxmlformats.org/drawingml/2006/main" xmlns:r="http://schemas.openxmlformats.org/officeDocument/2006/relationships" xmlns:p="http://schemas.openxmlformats.org/presentationml/2006/main" showMasterSp="0" preserve="1" userDrawn="1">
   <p:cSld name="Title and Two Column">
     <p:spTree>
       <p:nvGrpSpPr>
@@ -7204,7 +5931,7 @@
 </file>
 
 <file path=ppt/slideLayouts/slideLayout5.xml><?xml version="1.0" encoding="utf-8"?>
-<p:sldLayout xmlns:a="http://schemas.openxmlformats.org/drawingml/2006/main" xmlns:r="http://schemas.openxmlformats.org/officeDocument/2006/relationships" xmlns:p="http://schemas.openxmlformats.org/presentationml/2006/main" preserve="1" userDrawn="1">
+<p:sldLayout xmlns:a="http://schemas.openxmlformats.org/drawingml/2006/main" xmlns:r="http://schemas.openxmlformats.org/officeDocument/2006/relationships" xmlns:p="http://schemas.openxmlformats.org/presentationml/2006/main" showMasterSp="0" preserve="1" userDrawn="1">
   <p:cSld name="Title and Two Column 2">
     <p:spTree>
       <p:nvGrpSpPr>
@@ -7388,7 +6115,7 @@
 </file>
 
 <file path=ppt/slideLayouts/slideLayout6.xml><?xml version="1.0" encoding="utf-8"?>
-<p:sldLayout xmlns:a="http://schemas.openxmlformats.org/drawingml/2006/main" xmlns:r="http://schemas.openxmlformats.org/officeDocument/2006/relationships" xmlns:p="http://schemas.openxmlformats.org/presentationml/2006/main" preserve="1" userDrawn="1">
+<p:sldLayout xmlns:a="http://schemas.openxmlformats.org/drawingml/2006/main" xmlns:r="http://schemas.openxmlformats.org/officeDocument/2006/relationships" xmlns:p="http://schemas.openxmlformats.org/presentationml/2006/main" showMasterSp="0" preserve="1" userDrawn="1">
   <p:cSld name="Title Only">
     <p:spTree>
       <p:nvGrpSpPr>
@@ -7642,14 +6369,6 @@
 <file path=ppt/slideLayouts/slideLayout8.xml><?xml version="1.0" encoding="utf-8"?>
 <p:sldLayout xmlns:a="http://schemas.openxmlformats.org/drawingml/2006/main" xmlns:r="http://schemas.openxmlformats.org/officeDocument/2006/relationships" xmlns:p="http://schemas.openxmlformats.org/presentationml/2006/main" showMasterSp="0" preserve="1" userDrawn="1">
   <p:cSld name="Divider Slide ">
-    <p:bg>
-      <p:bgPr>
-        <a:solidFill>
-          <a:srgbClr val="FF0000"/>
-        </a:solidFill>
-        <a:effectLst/>
-      </p:bgPr>
-    </p:bg>
     <p:spTree>
       <p:nvGrpSpPr>
         <p:cNvPr id="1" name=""/>
@@ -7956,132 +6675,6 @@
                 </a:schemeClr>
               </a:solidFill>
             </a:endParaRPr>
-          </a:p>
-        </p:txBody>
-      </p:sp>
-      <p:sp>
-        <p:nvSpPr>
-          <p:cNvPr id="8" name="Footer Placeholder 8"/>
-          <p:cNvSpPr txBox="1">
-            <a:spLocks/>
-          </p:cNvSpPr>
-          <p:nvPr/>
-        </p:nvSpPr>
-        <p:spPr>
-          <a:xfrm>
-            <a:off x="463816" y="6546621"/>
-            <a:ext cx="2895600" cy="143568"/>
-          </a:xfrm>
-          <a:prstGeom prst="rect">
-            <a:avLst/>
-          </a:prstGeom>
-        </p:spPr>
-        <p:txBody>
-          <a:bodyPr lIns="0" tIns="0" rIns="0" bIns="0" anchor="b"/>
-          <a:lstStyle>
-            <a:defPPr>
-              <a:defRPr lang="en-US"/>
-            </a:defPPr>
-            <a:lvl1pPr marL="0" algn="l" defTabSz="914400" rtl="0" eaLnBrk="1" latinLnBrk="0" hangingPunct="1">
-              <a:defRPr sz="1800" kern="1200">
-                <a:solidFill>
-                  <a:schemeClr val="tx1"/>
-                </a:solidFill>
-                <a:latin typeface="+mn-lt"/>
-                <a:ea typeface="+mn-ea"/>
-                <a:cs typeface="+mn-cs"/>
-              </a:defRPr>
-            </a:lvl1pPr>
-            <a:lvl2pPr marL="457200" algn="l" defTabSz="914400" rtl="0" eaLnBrk="1" latinLnBrk="0" hangingPunct="1">
-              <a:defRPr sz="1800" kern="1200">
-                <a:solidFill>
-                  <a:schemeClr val="tx1"/>
-                </a:solidFill>
-                <a:latin typeface="+mn-lt"/>
-                <a:ea typeface="+mn-ea"/>
-                <a:cs typeface="+mn-cs"/>
-              </a:defRPr>
-            </a:lvl2pPr>
-            <a:lvl3pPr marL="914400" algn="l" defTabSz="914400" rtl="0" eaLnBrk="1" latinLnBrk="0" hangingPunct="1">
-              <a:defRPr sz="1800" kern="1200">
-                <a:solidFill>
-                  <a:schemeClr val="tx1"/>
-                </a:solidFill>
-                <a:latin typeface="+mn-lt"/>
-                <a:ea typeface="+mn-ea"/>
-                <a:cs typeface="+mn-cs"/>
-              </a:defRPr>
-            </a:lvl3pPr>
-            <a:lvl4pPr marL="1371600" algn="l" defTabSz="914400" rtl="0" eaLnBrk="1" latinLnBrk="0" hangingPunct="1">
-              <a:defRPr sz="1800" kern="1200">
-                <a:solidFill>
-                  <a:schemeClr val="tx1"/>
-                </a:solidFill>
-                <a:latin typeface="+mn-lt"/>
-                <a:ea typeface="+mn-ea"/>
-                <a:cs typeface="+mn-cs"/>
-              </a:defRPr>
-            </a:lvl4pPr>
-            <a:lvl5pPr marL="1828800" algn="l" defTabSz="914400" rtl="0" eaLnBrk="1" latinLnBrk="0" hangingPunct="1">
-              <a:defRPr sz="1800" kern="1200">
-                <a:solidFill>
-                  <a:schemeClr val="tx1"/>
-                </a:solidFill>
-                <a:latin typeface="+mn-lt"/>
-                <a:ea typeface="+mn-ea"/>
-                <a:cs typeface="+mn-cs"/>
-              </a:defRPr>
-            </a:lvl5pPr>
-            <a:lvl6pPr marL="2286000" algn="l" defTabSz="914400" rtl="0" eaLnBrk="1" latinLnBrk="0" hangingPunct="1">
-              <a:defRPr sz="1800" kern="1200">
-                <a:solidFill>
-                  <a:schemeClr val="tx1"/>
-                </a:solidFill>
-                <a:latin typeface="+mn-lt"/>
-                <a:ea typeface="+mn-ea"/>
-                <a:cs typeface="+mn-cs"/>
-              </a:defRPr>
-            </a:lvl6pPr>
-            <a:lvl7pPr marL="2743200" algn="l" defTabSz="914400" rtl="0" eaLnBrk="1" latinLnBrk="0" hangingPunct="1">
-              <a:defRPr sz="1800" kern="1200">
-                <a:solidFill>
-                  <a:schemeClr val="tx1"/>
-                </a:solidFill>
-                <a:latin typeface="+mn-lt"/>
-                <a:ea typeface="+mn-ea"/>
-                <a:cs typeface="+mn-cs"/>
-              </a:defRPr>
-            </a:lvl7pPr>
-            <a:lvl8pPr marL="3200400" algn="l" defTabSz="914400" rtl="0" eaLnBrk="1" latinLnBrk="0" hangingPunct="1">
-              <a:defRPr sz="1800" kern="1200">
-                <a:solidFill>
-                  <a:schemeClr val="tx1"/>
-                </a:solidFill>
-                <a:latin typeface="+mn-lt"/>
-                <a:ea typeface="+mn-ea"/>
-                <a:cs typeface="+mn-cs"/>
-              </a:defRPr>
-            </a:lvl8pPr>
-            <a:lvl9pPr marL="3657600" algn="l" defTabSz="914400" rtl="0" eaLnBrk="1" latinLnBrk="0" hangingPunct="1">
-              <a:defRPr sz="1800" kern="1200">
-                <a:solidFill>
-                  <a:schemeClr val="tx1"/>
-                </a:solidFill>
-                <a:latin typeface="+mn-lt"/>
-                <a:ea typeface="+mn-ea"/>
-                <a:cs typeface="+mn-cs"/>
-              </a:defRPr>
-            </a:lvl9pPr>
-          </a:lstStyle>
-          <a:p>
-            <a:r>
-              <a:rPr lang="en-US" sz="900">
-                <a:solidFill>
-                  <a:srgbClr val="7F7F7F"/>
-                </a:solidFill>
-              </a:rPr>
-              <a:t>Copyright © 2015 Accenture  All rights reserved.</a:t>
-            </a:r>
           </a:p>
         </p:txBody>
       </p:sp>
@@ -11269,7 +9862,7 @@
           <p:cNvPr id="8" name="Text Placeholder 7">
             <a:extLst>
               <a:ext uri="{FF2B5EF4-FFF2-40B4-BE49-F238E27FC236}">
-                <a16:creationId xmlns:a16="http://schemas.microsoft.com/office/drawing/2014/main" xmlns="" id="{527599B4-D772-436D-A841-50C28785E3D9}"/>
+                <a16:creationId xmlns="" xmlns:a16="http://schemas.microsoft.com/office/drawing/2014/main" id="{527599B4-D772-436D-A841-50C28785E3D9}"/>
               </a:ext>
             </a:extLst>
           </p:cNvPr>
@@ -11343,7 +9936,7 @@
           <p:cNvPr id="7" name="Picture 6">
             <a:extLst>
               <a:ext uri="{FF2B5EF4-FFF2-40B4-BE49-F238E27FC236}">
-                <a16:creationId xmlns:a16="http://schemas.microsoft.com/office/drawing/2014/main" xmlns="" id="{E23C984E-214A-480E-8154-DD75D80968AE}"/>
+                <a16:creationId xmlns="" xmlns:a16="http://schemas.microsoft.com/office/drawing/2014/main" id="{E23C984E-214A-480E-8154-DD75D80968AE}"/>
               </a:ext>
             </a:extLst>
           </p:cNvPr>
@@ -11373,7 +9966,7 @@
           <p:cNvPr id="4" name="Picture 3">
             <a:extLst>
               <a:ext uri="{FF2B5EF4-FFF2-40B4-BE49-F238E27FC236}">
-                <a16:creationId xmlns:a16="http://schemas.microsoft.com/office/drawing/2014/main" xmlns="" id="{334EAD19-795E-49AF-9419-CFBA0CF8B187}"/>
+                <a16:creationId xmlns="" xmlns:a16="http://schemas.microsoft.com/office/drawing/2014/main" id="{334EAD19-795E-49AF-9419-CFBA0CF8B187}"/>
               </a:ext>
             </a:extLst>
           </p:cNvPr>
@@ -11634,7 +10227,7 @@
           <p:cNvPr id="5" name="Picture 4">
             <a:extLst>
               <a:ext uri="{FF2B5EF4-FFF2-40B4-BE49-F238E27FC236}">
-                <a16:creationId xmlns:a16="http://schemas.microsoft.com/office/drawing/2014/main" xmlns="" id="{44B4C589-42BC-476D-B883-2F1575EF7ADA}"/>
+                <a16:creationId xmlns="" xmlns:a16="http://schemas.microsoft.com/office/drawing/2014/main" id="{44B4C589-42BC-476D-B883-2F1575EF7ADA}"/>
               </a:ext>
             </a:extLst>
           </p:cNvPr>
@@ -15033,7 +13626,7 @@
           <p:cNvPr id="2" name="Title 1">
             <a:extLst>
               <a:ext uri="{FF2B5EF4-FFF2-40B4-BE49-F238E27FC236}">
-                <a16:creationId xmlns:a16="http://schemas.microsoft.com/office/drawing/2014/main" xmlns="" id="{43B936F4-9575-4F24-8E51-7C919BB08B8A}"/>
+                <a16:creationId xmlns="" xmlns:a16="http://schemas.microsoft.com/office/drawing/2014/main" id="{43B936F4-9575-4F24-8E51-7C919BB08B8A}"/>
               </a:ext>
             </a:extLst>
           </p:cNvPr>
@@ -15069,7 +13662,7 @@
           <p:cNvPr id="3" name="Text Placeholder 2">
             <a:extLst>
               <a:ext uri="{FF2B5EF4-FFF2-40B4-BE49-F238E27FC236}">
-                <a16:creationId xmlns:a16="http://schemas.microsoft.com/office/drawing/2014/main" xmlns="" id="{3532DCF3-EB2B-4FC3-A265-0FEB8F17E754}"/>
+                <a16:creationId xmlns="" xmlns:a16="http://schemas.microsoft.com/office/drawing/2014/main" id="{3532DCF3-EB2B-4FC3-A265-0FEB8F17E754}"/>
               </a:ext>
             </a:extLst>
           </p:cNvPr>
@@ -15151,7 +13744,7 @@
           <p:cNvPr id="4" name="Picture 3">
             <a:extLst>
               <a:ext uri="{FF2B5EF4-FFF2-40B4-BE49-F238E27FC236}">
-                <a16:creationId xmlns:a16="http://schemas.microsoft.com/office/drawing/2014/main" xmlns="" id="{5F60D2E1-79FF-4B21-BFDD-52A37CC70565}"/>
+                <a16:creationId xmlns="" xmlns:a16="http://schemas.microsoft.com/office/drawing/2014/main" id="{5F60D2E1-79FF-4B21-BFDD-52A37CC70565}"/>
               </a:ext>
             </a:extLst>
           </p:cNvPr>
@@ -15181,7 +13774,7 @@
           <p:cNvPr id="5" name="Rectangle 4">
             <a:extLst>
               <a:ext uri="{FF2B5EF4-FFF2-40B4-BE49-F238E27FC236}">
-                <a16:creationId xmlns:a16="http://schemas.microsoft.com/office/drawing/2014/main" xmlns="" id="{EFE56220-C609-4CD0-A227-271E7F5568C4}"/>
+                <a16:creationId xmlns="" xmlns:a16="http://schemas.microsoft.com/office/drawing/2014/main" id="{EFE56220-C609-4CD0-A227-271E7F5568C4}"/>
               </a:ext>
             </a:extLst>
           </p:cNvPr>
@@ -15257,7 +13850,7 @@
           <p:cNvPr id="2" name="Title 1">
             <a:extLst>
               <a:ext uri="{FF2B5EF4-FFF2-40B4-BE49-F238E27FC236}">
-                <a16:creationId xmlns:a16="http://schemas.microsoft.com/office/drawing/2014/main" xmlns="" id="{1B5B909A-7048-4044-82CA-6FEB7D53E815}"/>
+                <a16:creationId xmlns="" xmlns:a16="http://schemas.microsoft.com/office/drawing/2014/main" id="{1B5B909A-7048-4044-82CA-6FEB7D53E815}"/>
               </a:ext>
             </a:extLst>
           </p:cNvPr>
@@ -15285,7 +13878,7 @@
           <p:cNvPr id="3" name="Text Placeholder 2">
             <a:extLst>
               <a:ext uri="{FF2B5EF4-FFF2-40B4-BE49-F238E27FC236}">
-                <a16:creationId xmlns:a16="http://schemas.microsoft.com/office/drawing/2014/main" xmlns="" id="{B6C48C34-4644-4036-879E-9C4311AA681C}"/>
+                <a16:creationId xmlns="" xmlns:a16="http://schemas.microsoft.com/office/drawing/2014/main" id="{B6C48C34-4644-4036-879E-9C4311AA681C}"/>
               </a:ext>
             </a:extLst>
           </p:cNvPr>
@@ -15327,7 +13920,7 @@
           <p:cNvPr id="4" name="Picture 3">
             <a:extLst>
               <a:ext uri="{FF2B5EF4-FFF2-40B4-BE49-F238E27FC236}">
-                <a16:creationId xmlns:a16="http://schemas.microsoft.com/office/drawing/2014/main" xmlns="" id="{6EE288F9-704C-4DE5-85EC-3226E6E09E60}"/>
+                <a16:creationId xmlns="" xmlns:a16="http://schemas.microsoft.com/office/drawing/2014/main" id="{6EE288F9-704C-4DE5-85EC-3226E6E09E60}"/>
               </a:ext>
             </a:extLst>
           </p:cNvPr>
@@ -15357,7 +13950,7 @@
           <p:cNvPr id="5" name="Picture 4">
             <a:extLst>
               <a:ext uri="{FF2B5EF4-FFF2-40B4-BE49-F238E27FC236}">
-                <a16:creationId xmlns:a16="http://schemas.microsoft.com/office/drawing/2014/main" xmlns="" id="{9EFC2D1C-E012-4DA1-A041-6D6FCAA71EBB}"/>
+                <a16:creationId xmlns="" xmlns:a16="http://schemas.microsoft.com/office/drawing/2014/main" id="{9EFC2D1C-E012-4DA1-A041-6D6FCAA71EBB}"/>
               </a:ext>
             </a:extLst>
           </p:cNvPr>
@@ -17514,7 +16107,7 @@
           <p:cNvPr id="4" name="Rectangle 3">
             <a:extLst>
               <a:ext uri="{FF2B5EF4-FFF2-40B4-BE49-F238E27FC236}">
-                <a16:creationId xmlns:a16="http://schemas.microsoft.com/office/drawing/2014/main" xmlns="" id="{32E482A3-6A6B-4090-886A-CEC9B92743B9}"/>
+                <a16:creationId xmlns="" xmlns:a16="http://schemas.microsoft.com/office/drawing/2014/main" id="{32E482A3-6A6B-4090-886A-CEC9B92743B9}"/>
               </a:ext>
             </a:extLst>
           </p:cNvPr>
